--- a/Proposal Presentation/Life Expectancy presentation.pptx
+++ b/Proposal Presentation/Life Expectancy presentation.pptx
@@ -9,7 +9,8 @@
     <p:sldId id="257" r:id="rId3"/>
     <p:sldId id="258" r:id="rId4"/>
     <p:sldId id="260" r:id="rId5"/>
-    <p:sldId id="259" r:id="rId6"/>
+    <p:sldId id="261" r:id="rId6"/>
+    <p:sldId id="259" r:id="rId7"/>
   </p:sldIdLst>
   <p:sldSz cx="12192000" cy="6858000"/>
   <p:notesSz cx="6858000" cy="9144000"/>
@@ -108,6 +109,11 @@
       </a:defRPr>
     </a:lvl9pPr>
   </p:defaultTextStyle>
+  <p:extLst>
+    <p:ext uri="{EFAFB233-063F-42B5-8137-9DF3F51BA10A}">
+      <p15:sldGuideLst xmlns:p15="http://schemas.microsoft.com/office/powerpoint/2012/main"/>
+    </p:ext>
+  </p:extLst>
 </p:presentation>
 </file>
 
@@ -5006,19 +5012,24 @@
           <a:p>
             <a:r>
               <a:rPr lang="en-US" sz="1800" dirty="0"/>
-              <a:t>Our class activities for flask app, jsonify and drop-down menu plots.</a:t>
+              <a:t>Our class activities for flask app, jsonify and drop-down menu plots and Heroku app.</a:t>
             </a:r>
           </a:p>
           <a:p>
             <a:r>
               <a:rPr lang="en-US" sz="1800" dirty="0"/>
-              <a:t>Tutors, TA’s, BCS Assistant, friends in the group</a:t>
-            </a:r>
+              <a:t>Tutors, TA’s, BCS Assistant, friends in </a:t>
+            </a:r>
+            <a:r>
+              <a:rPr lang="en-US" sz="1800"/>
+              <a:t>the group.</a:t>
+            </a:r>
+            <a:endParaRPr lang="en-US" sz="1800" dirty="0"/>
           </a:p>
           <a:p>
             <a:r>
               <a:rPr lang="en-US" sz="1800" dirty="0"/>
-              <a:t>And finally, of course - stack overflow again and again</a:t>
+              <a:t>And finally, of course - stack overflow again and again.</a:t>
             </a:r>
           </a:p>
         </p:txBody>
@@ -5062,6 +5073,284 @@
           <a:chExt cx="0" cy="0"/>
         </a:xfrm>
       </p:grpSpPr>
+      <p:sp useBgFill="1">
+        <p:nvSpPr>
+          <p:cNvPr id="8" name="Rectangle 7">
+            <a:extLst>
+              <a:ext uri="{FF2B5EF4-FFF2-40B4-BE49-F238E27FC236}">
+                <a16:creationId xmlns:a16="http://schemas.microsoft.com/office/drawing/2014/main" id="{8651CFA9-6065-4243-AC48-858E359780B1}"/>
+              </a:ext>
+              <a:ext uri="{C183D7F6-B498-43B3-948B-1728B52AA6E4}">
+                <adec:decorative xmlns:adec="http://schemas.microsoft.com/office/drawing/2017/decorative" val="1"/>
+              </a:ext>
+            </a:extLst>
+          </p:cNvPr>
+          <p:cNvSpPr>
+            <a:spLocks noGrp="1" noRot="1" noChangeAspect="1" noMove="1" noResize="1" noEditPoints="1" noAdjustHandles="1" noChangeArrowheads="1" noChangeShapeType="1" noTextEdit="1"/>
+          </p:cNvSpPr>
+          <p:nvPr>
+            <p:extLst>
+              <p:ext uri="{386F3935-93C4-4BCD-93E2-E3B085C9AB24}">
+                <p16:designElem xmlns:p16="http://schemas.microsoft.com/office/powerpoint/2015/main" val="1"/>
+              </p:ext>
+            </p:extLst>
+          </p:nvPr>
+        </p:nvSpPr>
+        <p:spPr>
+          <a:xfrm>
+            <a:off x="0" y="0"/>
+            <a:ext cx="12192000" cy="6858000"/>
+          </a:xfrm>
+          <a:prstGeom prst="rect">
+            <a:avLst/>
+          </a:prstGeom>
+          <a:ln>
+            <a:noFill/>
+          </a:ln>
+        </p:spPr>
+        <p:style>
+          <a:lnRef idx="2">
+            <a:schemeClr val="accent1">
+              <a:shade val="50000"/>
+            </a:schemeClr>
+          </a:lnRef>
+          <a:fillRef idx="1">
+            <a:schemeClr val="accent1"/>
+          </a:fillRef>
+          <a:effectRef idx="0">
+            <a:schemeClr val="accent1"/>
+          </a:effectRef>
+          <a:fontRef idx="minor">
+            <a:schemeClr val="lt1"/>
+          </a:fontRef>
+        </p:style>
+        <p:txBody>
+          <a:bodyPr rtlCol="0" anchor="ctr"/>
+          <a:lstStyle/>
+          <a:p>
+            <a:pPr algn="ctr"/>
+            <a:endParaRPr lang="en-US">
+              <a:solidFill>
+                <a:schemeClr val="tx1">
+                  <a:lumMod val="65000"/>
+                  <a:lumOff val="35000"/>
+                </a:schemeClr>
+              </a:solidFill>
+              <a:latin typeface="AvenirNext LT Pro Medium" panose="020B0504020202020204" pitchFamily="34" charset="0"/>
+            </a:endParaRPr>
+          </a:p>
+        </p:txBody>
+      </p:sp>
+      <p:sp>
+        <p:nvSpPr>
+          <p:cNvPr id="10" name="Rectangle 9">
+            <a:extLst>
+              <a:ext uri="{FF2B5EF4-FFF2-40B4-BE49-F238E27FC236}">
+                <a16:creationId xmlns:a16="http://schemas.microsoft.com/office/drawing/2014/main" id="{37962AE0-6A1C-4B76-9D52-10E5E6D7D3BB}"/>
+              </a:ext>
+              <a:ext uri="{C183D7F6-B498-43B3-948B-1728B52AA6E4}">
+                <adec:decorative xmlns:adec="http://schemas.microsoft.com/office/drawing/2017/decorative" val="1"/>
+              </a:ext>
+            </a:extLst>
+          </p:cNvPr>
+          <p:cNvSpPr>
+            <a:spLocks noGrp="1" noRot="1" noChangeAspect="1" noMove="1" noResize="1" noEditPoints="1" noAdjustHandles="1" noChangeArrowheads="1" noChangeShapeType="1" noTextEdit="1"/>
+          </p:cNvSpPr>
+          <p:nvPr>
+            <p:extLst>
+              <p:ext uri="{386F3935-93C4-4BCD-93E2-E3B085C9AB24}">
+                <p16:designElem xmlns:p16="http://schemas.microsoft.com/office/powerpoint/2015/main" val="1"/>
+              </p:ext>
+            </p:extLst>
+          </p:nvPr>
+        </p:nvSpPr>
+        <p:spPr>
+          <a:xfrm>
+            <a:off x="0" y="0"/>
+            <a:ext cx="6095999" cy="6858000"/>
+          </a:xfrm>
+          <a:prstGeom prst="rect">
+            <a:avLst/>
+          </a:prstGeom>
+          <a:solidFill>
+            <a:schemeClr val="bg2">
+              <a:lumMod val="90000"/>
+              <a:alpha val="70000"/>
+            </a:schemeClr>
+          </a:solidFill>
+          <a:ln>
+            <a:noFill/>
+          </a:ln>
+        </p:spPr>
+        <p:style>
+          <a:lnRef idx="2">
+            <a:schemeClr val="accent1">
+              <a:shade val="50000"/>
+            </a:schemeClr>
+          </a:lnRef>
+          <a:fillRef idx="1">
+            <a:schemeClr val="accent1"/>
+          </a:fillRef>
+          <a:effectRef idx="0">
+            <a:schemeClr val="accent1"/>
+          </a:effectRef>
+          <a:fontRef idx="minor">
+            <a:schemeClr val="lt1"/>
+          </a:fontRef>
+        </p:style>
+        <p:txBody>
+          <a:bodyPr rtlCol="0" anchor="ctr"/>
+          <a:lstStyle/>
+          <a:p>
+            <a:pPr algn="ctr"/>
+            <a:endParaRPr lang="en-US">
+              <a:solidFill>
+                <a:schemeClr val="tx1">
+                  <a:lumMod val="65000"/>
+                  <a:lumOff val="35000"/>
+                </a:schemeClr>
+              </a:solidFill>
+              <a:latin typeface="AvenirNext LT Pro Medium" panose="020B0504020202020204" pitchFamily="34" charset="0"/>
+            </a:endParaRPr>
+          </a:p>
+        </p:txBody>
+      </p:sp>
+      <p:grpSp>
+        <p:nvGrpSpPr>
+          <p:cNvPr id="12" name="Group 11">
+            <a:extLst>
+              <a:ext uri="{FF2B5EF4-FFF2-40B4-BE49-F238E27FC236}">
+                <a16:creationId xmlns:a16="http://schemas.microsoft.com/office/drawing/2014/main" id="{60D82D56-D377-48D4-8DE9-6A0A8DB5E31D}"/>
+              </a:ext>
+              <a:ext uri="{C183D7F6-B498-43B3-948B-1728B52AA6E4}">
+                <adec:decorative xmlns:adec="http://schemas.microsoft.com/office/drawing/2017/decorative" val="1"/>
+              </a:ext>
+            </a:extLst>
+          </p:cNvPr>
+          <p:cNvGrpSpPr>
+            <a:grpSpLocks noGrp="1" noUngrp="1" noRot="1" noChangeAspect="1" noMove="1" noResize="1"/>
+          </p:cNvGrpSpPr>
+          <p:nvPr>
+            <p:extLst>
+              <p:ext uri="{386F3935-93C4-4BCD-93E2-E3B085C9AB24}">
+                <p16:designElem xmlns:p16="http://schemas.microsoft.com/office/powerpoint/2015/main" val="1"/>
+              </p:ext>
+            </p:extLst>
+          </p:nvPr>
+        </p:nvGrpSpPr>
+        <p:grpSpPr>
+          <a:xfrm rot="10800000">
+            <a:off x="1" y="-2"/>
+            <a:ext cx="2696853" cy="4598233"/>
+            <a:chOff x="8059620" y="41922"/>
+            <a:chExt cx="3997615" cy="6816077"/>
+          </a:xfrm>
+        </p:grpSpPr>
+        <p:pic>
+          <p:nvPicPr>
+            <p:cNvPr id="13" name="Picture 12">
+              <a:extLst>
+                <a:ext uri="{FF2B5EF4-FFF2-40B4-BE49-F238E27FC236}">
+                  <a16:creationId xmlns:a16="http://schemas.microsoft.com/office/drawing/2014/main" id="{6D8CD235-5DAC-4779-B652-AEF90B9844AF}"/>
+                </a:ext>
+                <a:ext uri="{C183D7F6-B498-43B3-948B-1728B52AA6E4}">
+                  <adec:decorative xmlns:adec="http://schemas.microsoft.com/office/drawing/2017/decorative" val="1"/>
+                </a:ext>
+              </a:extLst>
+            </p:cNvPr>
+            <p:cNvPicPr>
+              <a:picLocks noChangeAspect="1"/>
+            </p:cNvPicPr>
+            <p:nvPr>
+              <p:extLst>
+                <p:ext uri="{386F3935-93C4-4BCD-93E2-E3B085C9AB24}">
+                  <p16:designElem xmlns:p16="http://schemas.microsoft.com/office/powerpoint/2015/main" val="1"/>
+                </p:ext>
+              </p:extLst>
+            </p:nvPr>
+          </p:nvPicPr>
+          <p:blipFill rotWithShape="1">
+            <a:blip r:embed="rId3">
+              <a:duotone>
+                <a:schemeClr val="accent6">
+                  <a:shade val="45000"/>
+                  <a:satMod val="135000"/>
+                </a:schemeClr>
+                <a:prstClr val="white"/>
+              </a:duotone>
+              <a:alphaModFix amt="7000"/>
+              <a:extLst>
+                <a:ext uri="{28A0092B-C50C-407E-A947-70E740481C1C}">
+                  <a14:useLocalDpi xmlns:a14="http://schemas.microsoft.com/office/drawing/2010/main" val="0"/>
+                </a:ext>
+              </a:extLst>
+            </a:blip>
+            <a:srcRect l="22818" b="17291"/>
+            <a:stretch/>
+          </p:blipFill>
+          <p:spPr>
+            <a:xfrm flipH="1">
+              <a:off x="8059620" y="1345934"/>
+              <a:ext cx="3997615" cy="5512065"/>
+            </a:xfrm>
+            <a:prstGeom prst="rect">
+              <a:avLst/>
+            </a:prstGeom>
+          </p:spPr>
+        </p:pic>
+        <p:pic>
+          <p:nvPicPr>
+            <p:cNvPr id="14" name="Picture 13">
+              <a:extLst>
+                <a:ext uri="{FF2B5EF4-FFF2-40B4-BE49-F238E27FC236}">
+                  <a16:creationId xmlns:a16="http://schemas.microsoft.com/office/drawing/2014/main" id="{9048802B-B281-498F-88C5-E240B74438CE}"/>
+                </a:ext>
+                <a:ext uri="{C183D7F6-B498-43B3-948B-1728B52AA6E4}">
+                  <adec:decorative xmlns:adec="http://schemas.microsoft.com/office/drawing/2017/decorative" val="1"/>
+                </a:ext>
+              </a:extLst>
+            </p:cNvPr>
+            <p:cNvPicPr>
+              <a:picLocks noChangeAspect="1"/>
+            </p:cNvPicPr>
+            <p:nvPr>
+              <p:extLst>
+                <p:ext uri="{386F3935-93C4-4BCD-93E2-E3B085C9AB24}">
+                  <p16:designElem xmlns:p16="http://schemas.microsoft.com/office/powerpoint/2015/main" val="1"/>
+                </p:ext>
+              </p:extLst>
+            </p:nvPr>
+          </p:nvPicPr>
+          <p:blipFill rotWithShape="1">
+            <a:blip r:embed="rId3">
+              <a:duotone>
+                <a:schemeClr val="accent6">
+                  <a:shade val="45000"/>
+                  <a:satMod val="135000"/>
+                </a:schemeClr>
+                <a:prstClr val="white"/>
+              </a:duotone>
+              <a:alphaModFix amt="15000"/>
+              <a:extLst>
+                <a:ext uri="{28A0092B-C50C-407E-A947-70E740481C1C}">
+                  <a14:useLocalDpi xmlns:a14="http://schemas.microsoft.com/office/drawing/2010/main" val="0"/>
+                </a:ext>
+              </a:extLst>
+            </a:blip>
+            <a:srcRect r="40690"/>
+            <a:stretch/>
+          </p:blipFill>
+          <p:spPr>
+            <a:xfrm>
+              <a:off x="8915400" y="41922"/>
+              <a:ext cx="3141835" cy="6816077"/>
+            </a:xfrm>
+            <a:prstGeom prst="rect">
+              <a:avLst/>
+            </a:prstGeom>
+          </p:spPr>
+        </p:pic>
+      </p:grpSp>
       <p:sp>
         <p:nvSpPr>
           <p:cNvPr id="2" name="Title 1">
@@ -5078,12 +5367,18 @@
             <p:ph type="title"/>
           </p:nvPr>
         </p:nvSpPr>
-        <p:spPr/>
-        <p:txBody>
-          <a:bodyPr/>
-          <a:lstStyle/>
-          <a:p>
-            <a:pPr algn="ctr"/>
+        <p:spPr>
+          <a:xfrm>
+            <a:off x="609601" y="559813"/>
+            <a:ext cx="5181599" cy="5612387"/>
+          </a:xfrm>
+        </p:spPr>
+        <p:txBody>
+          <a:bodyPr anchor="ctr">
+            <a:normAutofit/>
+          </a:bodyPr>
+          <a:lstStyle/>
+          <a:p>
             <a:r>
               <a:rPr lang="en-US" dirty="0"/>
               <a:t>ETL process</a:t>
@@ -5109,15 +5404,122 @@
         </p:nvSpPr>
         <p:spPr>
           <a:xfrm>
-            <a:off x="458694" y="1440494"/>
-            <a:ext cx="11274612" cy="5160722"/>
+            <a:off x="6465967" y="234863"/>
+            <a:ext cx="5180106" cy="6388273"/>
           </a:xfrm>
         </p:spPr>
         <p:txBody>
-          <a:bodyPr/>
-          <a:lstStyle/>
-          <a:p>
-            <a:endParaRPr lang="en-US" dirty="0"/>
+          <a:bodyPr anchor="ctr">
+            <a:normAutofit fontScale="92500" lnSpcReduction="10000"/>
+          </a:bodyPr>
+          <a:lstStyle/>
+          <a:p>
+            <a:pPr>
+              <a:lnSpc>
+                <a:spcPct val="100000"/>
+              </a:lnSpc>
+            </a:pPr>
+            <a:r>
+              <a:rPr lang="en-US" sz="1800" dirty="0"/>
+              <a:t>Extraction:</a:t>
+            </a:r>
+          </a:p>
+          <a:p>
+            <a:pPr lvl="1">
+              <a:lnSpc>
+                <a:spcPct val="100000"/>
+              </a:lnSpc>
+            </a:pPr>
+            <a:r>
+              <a:rPr lang="en-US" sz="1800" dirty="0"/>
+              <a:t>Data extraction from both life_expectancy.csv and continents.csv file.</a:t>
+            </a:r>
+          </a:p>
+          <a:p>
+            <a:pPr lvl="1">
+              <a:lnSpc>
+                <a:spcPct val="100000"/>
+              </a:lnSpc>
+            </a:pPr>
+            <a:r>
+              <a:rPr lang="en-US" sz="1800" dirty="0"/>
+              <a:t>The column names in the csv files has spaces and sorts of issues, which needed to be cleaned up.</a:t>
+            </a:r>
+          </a:p>
+          <a:p>
+            <a:pPr marL="228600" lvl="1">
+              <a:lnSpc>
+                <a:spcPct val="100000"/>
+              </a:lnSpc>
+              <a:spcBef>
+                <a:spcPts val="1000"/>
+              </a:spcBef>
+            </a:pPr>
+            <a:r>
+              <a:rPr lang="en-US" sz="1800" dirty="0"/>
+              <a:t>Transform:</a:t>
+            </a:r>
+          </a:p>
+          <a:p>
+            <a:pPr lvl="1">
+              <a:lnSpc>
+                <a:spcPct val="100000"/>
+              </a:lnSpc>
+            </a:pPr>
+            <a:r>
+              <a:rPr lang="en-US" sz="1800" dirty="0"/>
+              <a:t>Using python code, the data from both the </a:t>
+            </a:r>
+            <a:r>
+              <a:rPr lang="en-US" sz="1800" dirty="0" err="1"/>
+              <a:t>csvs</a:t>
+            </a:r>
+            <a:r>
+              <a:rPr lang="en-US" sz="1800" dirty="0"/>
+              <a:t> were cleaned, and merged based on the country columns, so the retrieved data can be matched as per continents and countries.</a:t>
+            </a:r>
+          </a:p>
+          <a:p>
+            <a:pPr marL="228600" lvl="1">
+              <a:lnSpc>
+                <a:spcPct val="100000"/>
+              </a:lnSpc>
+              <a:spcBef>
+                <a:spcPts val="1000"/>
+              </a:spcBef>
+            </a:pPr>
+            <a:r>
+              <a:rPr lang="en-US" sz="1800" dirty="0"/>
+              <a:t>Load:</a:t>
+            </a:r>
+          </a:p>
+          <a:p>
+            <a:pPr marL="685800" lvl="2">
+              <a:lnSpc>
+                <a:spcPct val="100000"/>
+              </a:lnSpc>
+              <a:spcBef>
+                <a:spcPts val="1000"/>
+              </a:spcBef>
+            </a:pPr>
+            <a:r>
+              <a:rPr lang="en-US" sz="1800" dirty="0"/>
+              <a:t>The database used to load data into is SQLite. We had issues loading and viewing the data using SQLite, as we were trying to load data into database using our pandas code rather than creating schema and loading data. </a:t>
+            </a:r>
+          </a:p>
+          <a:p>
+            <a:pPr marL="685800" lvl="2">
+              <a:lnSpc>
+                <a:spcPct val="100000"/>
+              </a:lnSpc>
+              <a:spcBef>
+                <a:spcPts val="1000"/>
+              </a:spcBef>
+            </a:pPr>
+            <a:r>
+              <a:rPr lang="en-US" sz="1800" dirty="0"/>
+              <a:t>After a lot of research and help from all the available resources, we were able to successfully load and view the data into SQLite database.</a:t>
+            </a:r>
           </a:p>
         </p:txBody>
       </p:sp>
@@ -5135,6 +5537,446 @@
 </file>
 
 <file path=ppt/slides/slide5.xml><?xml version="1.0" encoding="utf-8"?>
+<p:sld xmlns:a="http://schemas.openxmlformats.org/drawingml/2006/main" xmlns:r="http://schemas.openxmlformats.org/officeDocument/2006/relationships" xmlns:p="http://schemas.openxmlformats.org/presentationml/2006/main">
+  <p:cSld>
+    <p:bg>
+      <p:bgPr>
+        <a:blipFill>
+          <a:blip r:embed="rId2"/>
+          <a:tile tx="0" ty="0" sx="100000" sy="100000" flip="none" algn="tl"/>
+        </a:blipFill>
+        <a:effectLst/>
+      </p:bgPr>
+    </p:bg>
+    <p:spTree>
+      <p:nvGrpSpPr>
+        <p:cNvPr id="1" name=""/>
+        <p:cNvGrpSpPr/>
+        <p:nvPr/>
+      </p:nvGrpSpPr>
+      <p:grpSpPr>
+        <a:xfrm>
+          <a:off x="0" y="0"/>
+          <a:ext cx="0" cy="0"/>
+          <a:chOff x="0" y="0"/>
+          <a:chExt cx="0" cy="0"/>
+        </a:xfrm>
+      </p:grpSpPr>
+      <p:sp useBgFill="1">
+        <p:nvSpPr>
+          <p:cNvPr id="8" name="Rectangle 7">
+            <a:extLst>
+              <a:ext uri="{FF2B5EF4-FFF2-40B4-BE49-F238E27FC236}">
+                <a16:creationId xmlns:a16="http://schemas.microsoft.com/office/drawing/2014/main" id="{8651CFA9-6065-4243-AC48-858E359780B1}"/>
+              </a:ext>
+              <a:ext uri="{C183D7F6-B498-43B3-948B-1728B52AA6E4}">
+                <adec:decorative xmlns:adec="http://schemas.microsoft.com/office/drawing/2017/decorative" val="1"/>
+              </a:ext>
+            </a:extLst>
+          </p:cNvPr>
+          <p:cNvSpPr>
+            <a:spLocks noGrp="1" noRot="1" noChangeAspect="1" noMove="1" noResize="1" noEditPoints="1" noAdjustHandles="1" noChangeArrowheads="1" noChangeShapeType="1" noTextEdit="1"/>
+          </p:cNvSpPr>
+          <p:nvPr>
+            <p:extLst>
+              <p:ext uri="{386F3935-93C4-4BCD-93E2-E3B085C9AB24}">
+                <p16:designElem xmlns:p16="http://schemas.microsoft.com/office/powerpoint/2015/main" val="1"/>
+              </p:ext>
+            </p:extLst>
+          </p:nvPr>
+        </p:nvSpPr>
+        <p:spPr>
+          <a:xfrm>
+            <a:off x="0" y="0"/>
+            <a:ext cx="12192000" cy="6858000"/>
+          </a:xfrm>
+          <a:prstGeom prst="rect">
+            <a:avLst/>
+          </a:prstGeom>
+          <a:ln>
+            <a:noFill/>
+          </a:ln>
+        </p:spPr>
+        <p:style>
+          <a:lnRef idx="2">
+            <a:schemeClr val="accent1">
+              <a:shade val="50000"/>
+            </a:schemeClr>
+          </a:lnRef>
+          <a:fillRef idx="1">
+            <a:schemeClr val="accent1"/>
+          </a:fillRef>
+          <a:effectRef idx="0">
+            <a:schemeClr val="accent1"/>
+          </a:effectRef>
+          <a:fontRef idx="minor">
+            <a:schemeClr val="lt1"/>
+          </a:fontRef>
+        </p:style>
+        <p:txBody>
+          <a:bodyPr rtlCol="0" anchor="ctr"/>
+          <a:lstStyle/>
+          <a:p>
+            <a:pPr algn="ctr"/>
+            <a:endParaRPr lang="en-US">
+              <a:solidFill>
+                <a:schemeClr val="tx1">
+                  <a:lumMod val="65000"/>
+                  <a:lumOff val="35000"/>
+                </a:schemeClr>
+              </a:solidFill>
+              <a:latin typeface="AvenirNext LT Pro Medium" panose="020B0504020202020204" pitchFamily="34" charset="0"/>
+            </a:endParaRPr>
+          </a:p>
+        </p:txBody>
+      </p:sp>
+      <p:sp>
+        <p:nvSpPr>
+          <p:cNvPr id="10" name="Rectangle 9">
+            <a:extLst>
+              <a:ext uri="{FF2B5EF4-FFF2-40B4-BE49-F238E27FC236}">
+                <a16:creationId xmlns:a16="http://schemas.microsoft.com/office/drawing/2014/main" id="{37962AE0-6A1C-4B76-9D52-10E5E6D7D3BB}"/>
+              </a:ext>
+              <a:ext uri="{C183D7F6-B498-43B3-948B-1728B52AA6E4}">
+                <adec:decorative xmlns:adec="http://schemas.microsoft.com/office/drawing/2017/decorative" val="1"/>
+              </a:ext>
+            </a:extLst>
+          </p:cNvPr>
+          <p:cNvSpPr>
+            <a:spLocks noGrp="1" noRot="1" noChangeAspect="1" noMove="1" noResize="1" noEditPoints="1" noAdjustHandles="1" noChangeArrowheads="1" noChangeShapeType="1" noTextEdit="1"/>
+          </p:cNvSpPr>
+          <p:nvPr>
+            <p:extLst>
+              <p:ext uri="{386F3935-93C4-4BCD-93E2-E3B085C9AB24}">
+                <p16:designElem xmlns:p16="http://schemas.microsoft.com/office/powerpoint/2015/main" val="1"/>
+              </p:ext>
+            </p:extLst>
+          </p:nvPr>
+        </p:nvSpPr>
+        <p:spPr>
+          <a:xfrm>
+            <a:off x="0" y="0"/>
+            <a:ext cx="6095999" cy="6858000"/>
+          </a:xfrm>
+          <a:prstGeom prst="rect">
+            <a:avLst/>
+          </a:prstGeom>
+          <a:solidFill>
+            <a:schemeClr val="bg2">
+              <a:lumMod val="90000"/>
+              <a:alpha val="70000"/>
+            </a:schemeClr>
+          </a:solidFill>
+          <a:ln>
+            <a:noFill/>
+          </a:ln>
+        </p:spPr>
+        <p:style>
+          <a:lnRef idx="2">
+            <a:schemeClr val="accent1">
+              <a:shade val="50000"/>
+            </a:schemeClr>
+          </a:lnRef>
+          <a:fillRef idx="1">
+            <a:schemeClr val="accent1"/>
+          </a:fillRef>
+          <a:effectRef idx="0">
+            <a:schemeClr val="accent1"/>
+          </a:effectRef>
+          <a:fontRef idx="minor">
+            <a:schemeClr val="lt1"/>
+          </a:fontRef>
+        </p:style>
+        <p:txBody>
+          <a:bodyPr rtlCol="0" anchor="ctr"/>
+          <a:lstStyle/>
+          <a:p>
+            <a:pPr algn="ctr"/>
+            <a:endParaRPr lang="en-US">
+              <a:solidFill>
+                <a:schemeClr val="tx1">
+                  <a:lumMod val="65000"/>
+                  <a:lumOff val="35000"/>
+                </a:schemeClr>
+              </a:solidFill>
+              <a:latin typeface="AvenirNext LT Pro Medium" panose="020B0504020202020204" pitchFamily="34" charset="0"/>
+            </a:endParaRPr>
+          </a:p>
+        </p:txBody>
+      </p:sp>
+      <p:grpSp>
+        <p:nvGrpSpPr>
+          <p:cNvPr id="12" name="Group 11">
+            <a:extLst>
+              <a:ext uri="{FF2B5EF4-FFF2-40B4-BE49-F238E27FC236}">
+                <a16:creationId xmlns:a16="http://schemas.microsoft.com/office/drawing/2014/main" id="{60D82D56-D377-48D4-8DE9-6A0A8DB5E31D}"/>
+              </a:ext>
+              <a:ext uri="{C183D7F6-B498-43B3-948B-1728B52AA6E4}">
+                <adec:decorative xmlns:adec="http://schemas.microsoft.com/office/drawing/2017/decorative" val="1"/>
+              </a:ext>
+            </a:extLst>
+          </p:cNvPr>
+          <p:cNvGrpSpPr>
+            <a:grpSpLocks noGrp="1" noUngrp="1" noRot="1" noChangeAspect="1" noMove="1" noResize="1"/>
+          </p:cNvGrpSpPr>
+          <p:nvPr>
+            <p:extLst>
+              <p:ext uri="{386F3935-93C4-4BCD-93E2-E3B085C9AB24}">
+                <p16:designElem xmlns:p16="http://schemas.microsoft.com/office/powerpoint/2015/main" val="1"/>
+              </p:ext>
+            </p:extLst>
+          </p:nvPr>
+        </p:nvGrpSpPr>
+        <p:grpSpPr>
+          <a:xfrm rot="10800000">
+            <a:off x="1" y="-2"/>
+            <a:ext cx="2696853" cy="4598233"/>
+            <a:chOff x="8059620" y="41922"/>
+            <a:chExt cx="3997615" cy="6816077"/>
+          </a:xfrm>
+        </p:grpSpPr>
+        <p:pic>
+          <p:nvPicPr>
+            <p:cNvPr id="13" name="Picture 12">
+              <a:extLst>
+                <a:ext uri="{FF2B5EF4-FFF2-40B4-BE49-F238E27FC236}">
+                  <a16:creationId xmlns:a16="http://schemas.microsoft.com/office/drawing/2014/main" id="{6D8CD235-5DAC-4779-B652-AEF90B9844AF}"/>
+                </a:ext>
+                <a:ext uri="{C183D7F6-B498-43B3-948B-1728B52AA6E4}">
+                  <adec:decorative xmlns:adec="http://schemas.microsoft.com/office/drawing/2017/decorative" val="1"/>
+                </a:ext>
+              </a:extLst>
+            </p:cNvPr>
+            <p:cNvPicPr>
+              <a:picLocks noChangeAspect="1"/>
+            </p:cNvPicPr>
+            <p:nvPr>
+              <p:extLst>
+                <p:ext uri="{386F3935-93C4-4BCD-93E2-E3B085C9AB24}">
+                  <p16:designElem xmlns:p16="http://schemas.microsoft.com/office/powerpoint/2015/main" val="1"/>
+                </p:ext>
+              </p:extLst>
+            </p:nvPr>
+          </p:nvPicPr>
+          <p:blipFill rotWithShape="1">
+            <a:blip r:embed="rId3">
+              <a:duotone>
+                <a:schemeClr val="accent6">
+                  <a:shade val="45000"/>
+                  <a:satMod val="135000"/>
+                </a:schemeClr>
+                <a:prstClr val="white"/>
+              </a:duotone>
+              <a:alphaModFix amt="7000"/>
+              <a:extLst>
+                <a:ext uri="{28A0092B-C50C-407E-A947-70E740481C1C}">
+                  <a14:useLocalDpi xmlns:a14="http://schemas.microsoft.com/office/drawing/2010/main" val="0"/>
+                </a:ext>
+              </a:extLst>
+            </a:blip>
+            <a:srcRect l="22818" b="17291"/>
+            <a:stretch/>
+          </p:blipFill>
+          <p:spPr>
+            <a:xfrm flipH="1">
+              <a:off x="8059620" y="1345934"/>
+              <a:ext cx="3997615" cy="5512065"/>
+            </a:xfrm>
+            <a:prstGeom prst="rect">
+              <a:avLst/>
+            </a:prstGeom>
+          </p:spPr>
+        </p:pic>
+        <p:pic>
+          <p:nvPicPr>
+            <p:cNvPr id="14" name="Picture 13">
+              <a:extLst>
+                <a:ext uri="{FF2B5EF4-FFF2-40B4-BE49-F238E27FC236}">
+                  <a16:creationId xmlns:a16="http://schemas.microsoft.com/office/drawing/2014/main" id="{9048802B-B281-498F-88C5-E240B74438CE}"/>
+                </a:ext>
+                <a:ext uri="{C183D7F6-B498-43B3-948B-1728B52AA6E4}">
+                  <adec:decorative xmlns:adec="http://schemas.microsoft.com/office/drawing/2017/decorative" val="1"/>
+                </a:ext>
+              </a:extLst>
+            </p:cNvPr>
+            <p:cNvPicPr>
+              <a:picLocks noChangeAspect="1"/>
+            </p:cNvPicPr>
+            <p:nvPr>
+              <p:extLst>
+                <p:ext uri="{386F3935-93C4-4BCD-93E2-E3B085C9AB24}">
+                  <p16:designElem xmlns:p16="http://schemas.microsoft.com/office/powerpoint/2015/main" val="1"/>
+                </p:ext>
+              </p:extLst>
+            </p:nvPr>
+          </p:nvPicPr>
+          <p:blipFill rotWithShape="1">
+            <a:blip r:embed="rId3">
+              <a:duotone>
+                <a:schemeClr val="accent6">
+                  <a:shade val="45000"/>
+                  <a:satMod val="135000"/>
+                </a:schemeClr>
+                <a:prstClr val="white"/>
+              </a:duotone>
+              <a:alphaModFix amt="15000"/>
+              <a:extLst>
+                <a:ext uri="{28A0092B-C50C-407E-A947-70E740481C1C}">
+                  <a14:useLocalDpi xmlns:a14="http://schemas.microsoft.com/office/drawing/2010/main" val="0"/>
+                </a:ext>
+              </a:extLst>
+            </a:blip>
+            <a:srcRect r="40690"/>
+            <a:stretch/>
+          </p:blipFill>
+          <p:spPr>
+            <a:xfrm>
+              <a:off x="8915400" y="41922"/>
+              <a:ext cx="3141835" cy="6816077"/>
+            </a:xfrm>
+            <a:prstGeom prst="rect">
+              <a:avLst/>
+            </a:prstGeom>
+          </p:spPr>
+        </p:pic>
+      </p:grpSp>
+      <p:sp>
+        <p:nvSpPr>
+          <p:cNvPr id="2" name="Title 1">
+            <a:extLst>
+              <a:ext uri="{FF2B5EF4-FFF2-40B4-BE49-F238E27FC236}">
+                <a16:creationId xmlns:a16="http://schemas.microsoft.com/office/drawing/2014/main" id="{C7B2B952-E4BE-4546-995C-34CF16E4031D}"/>
+              </a:ext>
+            </a:extLst>
+          </p:cNvPr>
+          <p:cNvSpPr>
+            <a:spLocks noGrp="1"/>
+          </p:cNvSpPr>
+          <p:nvPr>
+            <p:ph type="title"/>
+          </p:nvPr>
+        </p:nvSpPr>
+        <p:spPr>
+          <a:xfrm>
+            <a:off x="609601" y="559813"/>
+            <a:ext cx="5181599" cy="5612387"/>
+          </a:xfrm>
+        </p:spPr>
+        <p:txBody>
+          <a:bodyPr anchor="ctr">
+            <a:normAutofit/>
+          </a:bodyPr>
+          <a:lstStyle/>
+          <a:p>
+            <a:r>
+              <a:rPr lang="en-US" dirty="0"/>
+              <a:t>Challenges</a:t>
+            </a:r>
+          </a:p>
+        </p:txBody>
+      </p:sp>
+      <p:sp>
+        <p:nvSpPr>
+          <p:cNvPr id="3" name="Content Placeholder 2">
+            <a:extLst>
+              <a:ext uri="{FF2B5EF4-FFF2-40B4-BE49-F238E27FC236}">
+                <a16:creationId xmlns:a16="http://schemas.microsoft.com/office/drawing/2014/main" id="{6391858A-CC1A-7247-AC04-B65316DFDC62}"/>
+              </a:ext>
+            </a:extLst>
+          </p:cNvPr>
+          <p:cNvSpPr>
+            <a:spLocks noGrp="1"/>
+          </p:cNvSpPr>
+          <p:nvPr>
+            <p:ph idx="1"/>
+          </p:nvPr>
+        </p:nvSpPr>
+        <p:spPr>
+          <a:xfrm>
+            <a:off x="6477000" y="559813"/>
+            <a:ext cx="5180106" cy="5612387"/>
+          </a:xfrm>
+        </p:spPr>
+        <p:txBody>
+          <a:bodyPr anchor="ctr">
+            <a:normAutofit/>
+          </a:bodyPr>
+          <a:lstStyle/>
+          <a:p>
+            <a:r>
+              <a:rPr lang="en-US" sz="1800" dirty="0"/>
+              <a:t>Loading and reading data into SQLite database, instead of using </a:t>
+            </a:r>
+            <a:r>
+              <a:rPr lang="en-US" sz="1800" dirty="0" err="1"/>
+              <a:t>PostGres</a:t>
+            </a:r>
+            <a:r>
+              <a:rPr lang="en-US" sz="1800" dirty="0"/>
+              <a:t> SQL database.</a:t>
+            </a:r>
+            <a:br>
+              <a:rPr lang="en-US" sz="1800" dirty="0"/>
+            </a:br>
+            <a:r>
+              <a:rPr lang="en-US" sz="1800" dirty="0"/>
+              <a:t>As we used pandas to create the database, and not </a:t>
+            </a:r>
+            <a:r>
+              <a:rPr lang="en-US" sz="1800" dirty="0" err="1"/>
+              <a:t>schema.sql</a:t>
+            </a:r>
+            <a:r>
+              <a:rPr lang="en-US" sz="1800" dirty="0"/>
+              <a:t> – lot of research and resources were used to make SQLite work and load the data.</a:t>
+            </a:r>
+          </a:p>
+          <a:p>
+            <a:r>
+              <a:rPr lang="en-US" sz="1800" dirty="0"/>
+              <a:t>Creating Flask app to connect to SQLite database and retrieve data.</a:t>
+            </a:r>
+          </a:p>
+          <a:p>
+            <a:r>
+              <a:rPr lang="en-US" sz="1800" dirty="0" err="1"/>
+              <a:t>Jsonify-ing</a:t>
+            </a:r>
+            <a:r>
+              <a:rPr lang="en-US" sz="1800" dirty="0"/>
+              <a:t> the data from the database and render it to a HTML page.</a:t>
+            </a:r>
+          </a:p>
+          <a:p>
+            <a:r>
+              <a:rPr lang="en-US" sz="1800" dirty="0"/>
+              <a:t>Connecting the Flask app and </a:t>
+            </a:r>
+            <a:r>
+              <a:rPr lang="en-US" sz="1800" dirty="0" err="1"/>
+              <a:t>app_new.js</a:t>
+            </a:r>
+            <a:r>
+              <a:rPr lang="en-US" sz="1800" dirty="0"/>
+              <a:t> file to retrieve data as json, to display the results as an output visualization.</a:t>
+            </a:r>
+          </a:p>
+        </p:txBody>
+      </p:sp>
+    </p:spTree>
+    <p:extLst>
+      <p:ext uri="{BB962C8B-B14F-4D97-AF65-F5344CB8AC3E}">
+        <p14:creationId xmlns:p14="http://schemas.microsoft.com/office/powerpoint/2010/main" val="1968627579"/>
+      </p:ext>
+    </p:extLst>
+  </p:cSld>
+  <p:clrMapOvr>
+    <a:masterClrMapping/>
+  </p:clrMapOvr>
+</p:sld>
+</file>
+
+<file path=ppt/slides/slide6.xml><?xml version="1.0" encoding="utf-8"?>
 <p:sld xmlns:a="http://schemas.openxmlformats.org/drawingml/2006/main" xmlns:r="http://schemas.openxmlformats.org/officeDocument/2006/relationships" xmlns:p="http://schemas.openxmlformats.org/presentationml/2006/main">
   <p:cSld>
     <p:bg>

--- a/Proposal Presentation/Life Expectancy presentation.pptx
+++ b/Proposal Presentation/Life Expectancy presentation.pptx
@@ -11,6 +11,7 @@
     <p:sldId id="260" r:id="rId5"/>
     <p:sldId id="261" r:id="rId6"/>
     <p:sldId id="259" r:id="rId7"/>
+    <p:sldId id="262" r:id="rId8"/>
   </p:sldIdLst>
   <p:sldSz cx="12192000" cy="6858000"/>
   <p:notesSz cx="6858000" cy="9144000"/>
@@ -5018,13 +5019,8 @@
           <a:p>
             <a:r>
               <a:rPr lang="en-US" sz="1800" dirty="0"/>
-              <a:t>Tutors, TA’s, BCS Assistant, friends in </a:t>
-            </a:r>
-            <a:r>
-              <a:rPr lang="en-US" sz="1800"/>
-              <a:t>the group.</a:t>
-            </a:r>
-            <a:endParaRPr lang="en-US" sz="1800" dirty="0"/>
+              <a:t>Tutors, TA’s, BCS Assistant, friends in the group.</a:t>
+            </a:r>
           </a:p>
           <a:p>
             <a:r>
@@ -5937,30 +5933,6 @@
               <a:t>Creating Flask app to connect to SQLite database and retrieve data.</a:t>
             </a:r>
           </a:p>
-          <a:p>
-            <a:r>
-              <a:rPr lang="en-US" sz="1800" dirty="0" err="1"/>
-              <a:t>Jsonify-ing</a:t>
-            </a:r>
-            <a:r>
-              <a:rPr lang="en-US" sz="1800" dirty="0"/>
-              <a:t> the data from the database and render it to a HTML page.</a:t>
-            </a:r>
-          </a:p>
-          <a:p>
-            <a:r>
-              <a:rPr lang="en-US" sz="1800" dirty="0"/>
-              <a:t>Connecting the Flask app and </a:t>
-            </a:r>
-            <a:r>
-              <a:rPr lang="en-US" sz="1800" dirty="0" err="1"/>
-              <a:t>app_new.js</a:t>
-            </a:r>
-            <a:r>
-              <a:rPr lang="en-US" sz="1800" dirty="0"/>
-              <a:t> file to retrieve data as json, to display the results as an output visualization.</a:t>
-            </a:r>
-          </a:p>
         </p:txBody>
       </p:sp>
     </p:spTree>
@@ -6071,7 +6043,7 @@
               <a:rPr lang="en-AU" u="sng" dirty="0">
                 <a:hlinkClick r:id="rId4"/>
               </a:rPr>
-              <a:t>https://nithiyasuresh.github.io/LifeExpectancy_Project/</a:t>
+              <a:t>Life Expectancy</a:t>
             </a:r>
             <a:endParaRPr lang="en-US" dirty="0"/>
           </a:p>
@@ -6081,6 +6053,86 @@
     <p:extLst>
       <p:ext uri="{BB962C8B-B14F-4D97-AF65-F5344CB8AC3E}">
         <p14:creationId xmlns:p14="http://schemas.microsoft.com/office/powerpoint/2010/main" val="165821641"/>
+      </p:ext>
+    </p:extLst>
+  </p:cSld>
+  <p:clrMapOvr>
+    <a:masterClrMapping/>
+  </p:clrMapOvr>
+</p:sld>
+</file>
+
+<file path=ppt/slides/slide7.xml><?xml version="1.0" encoding="utf-8"?>
+<p:sld xmlns:a="http://schemas.openxmlformats.org/drawingml/2006/main" xmlns:r="http://schemas.openxmlformats.org/officeDocument/2006/relationships" xmlns:p="http://schemas.openxmlformats.org/presentationml/2006/main">
+  <p:cSld>
+    <p:spTree>
+      <p:nvGrpSpPr>
+        <p:cNvPr id="1" name=""/>
+        <p:cNvGrpSpPr/>
+        <p:nvPr/>
+      </p:nvGrpSpPr>
+      <p:grpSpPr>
+        <a:xfrm>
+          <a:off x="0" y="0"/>
+          <a:ext cx="0" cy="0"/>
+          <a:chOff x="0" y="0"/>
+          <a:chExt cx="0" cy="0"/>
+        </a:xfrm>
+      </p:grpSpPr>
+      <p:sp>
+        <p:nvSpPr>
+          <p:cNvPr id="2" name="Title 1">
+            <a:extLst>
+              <a:ext uri="{FF2B5EF4-FFF2-40B4-BE49-F238E27FC236}">
+                <a16:creationId xmlns:a16="http://schemas.microsoft.com/office/drawing/2014/main" id="{231AA7D4-5B7F-B14C-97AF-7B254704CEB1}"/>
+              </a:ext>
+            </a:extLst>
+          </p:cNvPr>
+          <p:cNvSpPr>
+            <a:spLocks noGrp="1"/>
+          </p:cNvSpPr>
+          <p:nvPr>
+            <p:ph type="title"/>
+          </p:nvPr>
+        </p:nvSpPr>
+        <p:spPr/>
+        <p:txBody>
+          <a:bodyPr/>
+          <a:lstStyle/>
+          <a:p>
+            <a:endParaRPr lang="en-US"/>
+          </a:p>
+        </p:txBody>
+      </p:sp>
+      <p:sp>
+        <p:nvSpPr>
+          <p:cNvPr id="3" name="Content Placeholder 2">
+            <a:extLst>
+              <a:ext uri="{FF2B5EF4-FFF2-40B4-BE49-F238E27FC236}">
+                <a16:creationId xmlns:a16="http://schemas.microsoft.com/office/drawing/2014/main" id="{870A37CD-A8D0-434A-92E9-FA40B0717A55}"/>
+              </a:ext>
+            </a:extLst>
+          </p:cNvPr>
+          <p:cNvSpPr>
+            <a:spLocks noGrp="1"/>
+          </p:cNvSpPr>
+          <p:nvPr>
+            <p:ph idx="1"/>
+          </p:nvPr>
+        </p:nvSpPr>
+        <p:spPr/>
+        <p:txBody>
+          <a:bodyPr/>
+          <a:lstStyle/>
+          <a:p>
+            <a:endParaRPr lang="en-US"/>
+          </a:p>
+        </p:txBody>
+      </p:sp>
+    </p:spTree>
+    <p:extLst>
+      <p:ext uri="{BB962C8B-B14F-4D97-AF65-F5344CB8AC3E}">
+        <p14:creationId xmlns:p14="http://schemas.microsoft.com/office/powerpoint/2010/main" val="2847920844"/>
       </p:ext>
     </p:extLst>
   </p:cSld>

--- a/Proposal Presentation/Life Expectancy presentation.pptx
+++ b/Proposal Presentation/Life Expectancy presentation.pptx
@@ -4,6 +4,9 @@
   <p:sldMasterIdLst>
     <p:sldMasterId id="2147483775" r:id="rId1"/>
   </p:sldMasterIdLst>
+  <p:notesMasterIdLst>
+    <p:notesMasterId r:id="rId9"/>
+  </p:notesMasterIdLst>
   <p:sldIdLst>
     <p:sldId id="256" r:id="rId2"/>
     <p:sldId id="257" r:id="rId3"/>
@@ -118,6 +121,439 @@
 </p:presentation>
 </file>
 
+<file path=ppt/notesMasters/notesMaster1.xml><?xml version="1.0" encoding="utf-8"?>
+<p:notesMaster xmlns:a="http://schemas.openxmlformats.org/drawingml/2006/main" xmlns:r="http://schemas.openxmlformats.org/officeDocument/2006/relationships" xmlns:p="http://schemas.openxmlformats.org/presentationml/2006/main">
+  <p:cSld>
+    <p:bg>
+      <p:bgRef idx="1001">
+        <a:schemeClr val="bg1"/>
+      </p:bgRef>
+    </p:bg>
+    <p:spTree>
+      <p:nvGrpSpPr>
+        <p:cNvPr id="1" name=""/>
+        <p:cNvGrpSpPr/>
+        <p:nvPr/>
+      </p:nvGrpSpPr>
+      <p:grpSpPr>
+        <a:xfrm>
+          <a:off x="0" y="0"/>
+          <a:ext cx="0" cy="0"/>
+          <a:chOff x="0" y="0"/>
+          <a:chExt cx="0" cy="0"/>
+        </a:xfrm>
+      </p:grpSpPr>
+      <p:sp>
+        <p:nvSpPr>
+          <p:cNvPr id="2" name="Header Placeholder 1"/>
+          <p:cNvSpPr>
+            <a:spLocks noGrp="1"/>
+          </p:cNvSpPr>
+          <p:nvPr>
+            <p:ph type="hdr" sz="quarter"/>
+          </p:nvPr>
+        </p:nvSpPr>
+        <p:spPr>
+          <a:xfrm>
+            <a:off x="0" y="0"/>
+            <a:ext cx="2971800" cy="458788"/>
+          </a:xfrm>
+          <a:prstGeom prst="rect">
+            <a:avLst/>
+          </a:prstGeom>
+        </p:spPr>
+        <p:txBody>
+          <a:bodyPr vert="horz" lIns="91440" tIns="45720" rIns="91440" bIns="45720" rtlCol="0"/>
+          <a:lstStyle>
+            <a:lvl1pPr algn="l">
+              <a:defRPr sz="1200"/>
+            </a:lvl1pPr>
+          </a:lstStyle>
+          <a:p>
+            <a:endParaRPr lang="en-US"/>
+          </a:p>
+        </p:txBody>
+      </p:sp>
+      <p:sp>
+        <p:nvSpPr>
+          <p:cNvPr id="3" name="Date Placeholder 2"/>
+          <p:cNvSpPr>
+            <a:spLocks noGrp="1"/>
+          </p:cNvSpPr>
+          <p:nvPr>
+            <p:ph type="dt" idx="1"/>
+          </p:nvPr>
+        </p:nvSpPr>
+        <p:spPr>
+          <a:xfrm>
+            <a:off x="3884613" y="0"/>
+            <a:ext cx="2971800" cy="458788"/>
+          </a:xfrm>
+          <a:prstGeom prst="rect">
+            <a:avLst/>
+          </a:prstGeom>
+        </p:spPr>
+        <p:txBody>
+          <a:bodyPr vert="horz" lIns="91440" tIns="45720" rIns="91440" bIns="45720" rtlCol="0"/>
+          <a:lstStyle>
+            <a:lvl1pPr algn="r">
+              <a:defRPr sz="1200"/>
+            </a:lvl1pPr>
+          </a:lstStyle>
+          <a:p>
+            <a:fld id="{8E81735D-A8F1-C94A-AD3E-54BE72F7CEF6}" type="datetimeFigureOut">
+              <a:rPr lang="en-US" smtClean="0"/>
+              <a:t>9/13/21</a:t>
+            </a:fld>
+            <a:endParaRPr lang="en-US"/>
+          </a:p>
+        </p:txBody>
+      </p:sp>
+      <p:sp>
+        <p:nvSpPr>
+          <p:cNvPr id="4" name="Slide Image Placeholder 3"/>
+          <p:cNvSpPr>
+            <a:spLocks noGrp="1" noRot="1" noChangeAspect="1"/>
+          </p:cNvSpPr>
+          <p:nvPr>
+            <p:ph type="sldImg" idx="2"/>
+          </p:nvPr>
+        </p:nvSpPr>
+        <p:spPr>
+          <a:xfrm>
+            <a:off x="685800" y="1143000"/>
+            <a:ext cx="5486400" cy="3086100"/>
+          </a:xfrm>
+          <a:prstGeom prst="rect">
+            <a:avLst/>
+          </a:prstGeom>
+          <a:noFill/>
+          <a:ln w="12700">
+            <a:solidFill>
+              <a:prstClr val="black"/>
+            </a:solidFill>
+          </a:ln>
+        </p:spPr>
+        <p:txBody>
+          <a:bodyPr vert="horz" lIns="91440" tIns="45720" rIns="91440" bIns="45720" rtlCol="0" anchor="ctr"/>
+          <a:lstStyle/>
+          <a:p>
+            <a:endParaRPr lang="en-US"/>
+          </a:p>
+        </p:txBody>
+      </p:sp>
+      <p:sp>
+        <p:nvSpPr>
+          <p:cNvPr id="5" name="Notes Placeholder 4"/>
+          <p:cNvSpPr>
+            <a:spLocks noGrp="1"/>
+          </p:cNvSpPr>
+          <p:nvPr>
+            <p:ph type="body" sz="quarter" idx="3"/>
+          </p:nvPr>
+        </p:nvSpPr>
+        <p:spPr>
+          <a:xfrm>
+            <a:off x="685800" y="4400550"/>
+            <a:ext cx="5486400" cy="3600450"/>
+          </a:xfrm>
+          <a:prstGeom prst="rect">
+            <a:avLst/>
+          </a:prstGeom>
+        </p:spPr>
+        <p:txBody>
+          <a:bodyPr vert="horz" lIns="91440" tIns="45720" rIns="91440" bIns="45720" rtlCol="0"/>
+          <a:lstStyle/>
+          <a:p>
+            <a:pPr lvl="0"/>
+            <a:r>
+              <a:rPr lang="en-US"/>
+              <a:t>Click to edit Master text styles</a:t>
+            </a:r>
+          </a:p>
+          <a:p>
+            <a:pPr lvl="1"/>
+            <a:r>
+              <a:rPr lang="en-US"/>
+              <a:t>Second level</a:t>
+            </a:r>
+          </a:p>
+          <a:p>
+            <a:pPr lvl="2"/>
+            <a:r>
+              <a:rPr lang="en-US"/>
+              <a:t>Third level</a:t>
+            </a:r>
+          </a:p>
+          <a:p>
+            <a:pPr lvl="3"/>
+            <a:r>
+              <a:rPr lang="en-US"/>
+              <a:t>Fourth level</a:t>
+            </a:r>
+          </a:p>
+          <a:p>
+            <a:pPr lvl="4"/>
+            <a:r>
+              <a:rPr lang="en-US"/>
+              <a:t>Fifth level</a:t>
+            </a:r>
+          </a:p>
+        </p:txBody>
+      </p:sp>
+      <p:sp>
+        <p:nvSpPr>
+          <p:cNvPr id="6" name="Footer Placeholder 5"/>
+          <p:cNvSpPr>
+            <a:spLocks noGrp="1"/>
+          </p:cNvSpPr>
+          <p:nvPr>
+            <p:ph type="ftr" sz="quarter" idx="4"/>
+          </p:nvPr>
+        </p:nvSpPr>
+        <p:spPr>
+          <a:xfrm>
+            <a:off x="0" y="8685213"/>
+            <a:ext cx="2971800" cy="458787"/>
+          </a:xfrm>
+          <a:prstGeom prst="rect">
+            <a:avLst/>
+          </a:prstGeom>
+        </p:spPr>
+        <p:txBody>
+          <a:bodyPr vert="horz" lIns="91440" tIns="45720" rIns="91440" bIns="45720" rtlCol="0" anchor="b"/>
+          <a:lstStyle>
+            <a:lvl1pPr algn="l">
+              <a:defRPr sz="1200"/>
+            </a:lvl1pPr>
+          </a:lstStyle>
+          <a:p>
+            <a:endParaRPr lang="en-US"/>
+          </a:p>
+        </p:txBody>
+      </p:sp>
+      <p:sp>
+        <p:nvSpPr>
+          <p:cNvPr id="7" name="Slide Number Placeholder 6"/>
+          <p:cNvSpPr>
+            <a:spLocks noGrp="1"/>
+          </p:cNvSpPr>
+          <p:nvPr>
+            <p:ph type="sldNum" sz="quarter" idx="5"/>
+          </p:nvPr>
+        </p:nvSpPr>
+        <p:spPr>
+          <a:xfrm>
+            <a:off x="3884613" y="8685213"/>
+            <a:ext cx="2971800" cy="458787"/>
+          </a:xfrm>
+          <a:prstGeom prst="rect">
+            <a:avLst/>
+          </a:prstGeom>
+        </p:spPr>
+        <p:txBody>
+          <a:bodyPr vert="horz" lIns="91440" tIns="45720" rIns="91440" bIns="45720" rtlCol="0" anchor="b"/>
+          <a:lstStyle>
+            <a:lvl1pPr algn="r">
+              <a:defRPr sz="1200"/>
+            </a:lvl1pPr>
+          </a:lstStyle>
+          <a:p>
+            <a:fld id="{A0F6E684-7FB4-B744-8175-C2F551BDB430}" type="slidenum">
+              <a:rPr lang="en-US" smtClean="0"/>
+              <a:t>‹#›</a:t>
+            </a:fld>
+            <a:endParaRPr lang="en-US"/>
+          </a:p>
+        </p:txBody>
+      </p:sp>
+    </p:spTree>
+    <p:extLst>
+      <p:ext uri="{BB962C8B-B14F-4D97-AF65-F5344CB8AC3E}">
+        <p14:creationId xmlns:p14="http://schemas.microsoft.com/office/powerpoint/2010/main" val="1104682790"/>
+      </p:ext>
+    </p:extLst>
+  </p:cSld>
+  <p:clrMap bg1="lt1" tx1="dk1" bg2="lt2" tx2="dk2" accent1="accent1" accent2="accent2" accent3="accent3" accent4="accent4" accent5="accent5" accent6="accent6" hlink="hlink" folHlink="folHlink"/>
+  <p:notesStyle>
+    <a:lvl1pPr marL="0" algn="l" defTabSz="914400" rtl="0" eaLnBrk="1" latinLnBrk="0" hangingPunct="1">
+      <a:defRPr sz="1200" kern="1200">
+        <a:solidFill>
+          <a:schemeClr val="tx1"/>
+        </a:solidFill>
+        <a:latin typeface="+mn-lt"/>
+        <a:ea typeface="+mn-ea"/>
+        <a:cs typeface="+mn-cs"/>
+      </a:defRPr>
+    </a:lvl1pPr>
+    <a:lvl2pPr marL="457200" algn="l" defTabSz="914400" rtl="0" eaLnBrk="1" latinLnBrk="0" hangingPunct="1">
+      <a:defRPr sz="1200" kern="1200">
+        <a:solidFill>
+          <a:schemeClr val="tx1"/>
+        </a:solidFill>
+        <a:latin typeface="+mn-lt"/>
+        <a:ea typeface="+mn-ea"/>
+        <a:cs typeface="+mn-cs"/>
+      </a:defRPr>
+    </a:lvl2pPr>
+    <a:lvl3pPr marL="914400" algn="l" defTabSz="914400" rtl="0" eaLnBrk="1" latinLnBrk="0" hangingPunct="1">
+      <a:defRPr sz="1200" kern="1200">
+        <a:solidFill>
+          <a:schemeClr val="tx1"/>
+        </a:solidFill>
+        <a:latin typeface="+mn-lt"/>
+        <a:ea typeface="+mn-ea"/>
+        <a:cs typeface="+mn-cs"/>
+      </a:defRPr>
+    </a:lvl3pPr>
+    <a:lvl4pPr marL="1371600" algn="l" defTabSz="914400" rtl="0" eaLnBrk="1" latinLnBrk="0" hangingPunct="1">
+      <a:defRPr sz="1200" kern="1200">
+        <a:solidFill>
+          <a:schemeClr val="tx1"/>
+        </a:solidFill>
+        <a:latin typeface="+mn-lt"/>
+        <a:ea typeface="+mn-ea"/>
+        <a:cs typeface="+mn-cs"/>
+      </a:defRPr>
+    </a:lvl4pPr>
+    <a:lvl5pPr marL="1828800" algn="l" defTabSz="914400" rtl="0" eaLnBrk="1" latinLnBrk="0" hangingPunct="1">
+      <a:defRPr sz="1200" kern="1200">
+        <a:solidFill>
+          <a:schemeClr val="tx1"/>
+        </a:solidFill>
+        <a:latin typeface="+mn-lt"/>
+        <a:ea typeface="+mn-ea"/>
+        <a:cs typeface="+mn-cs"/>
+      </a:defRPr>
+    </a:lvl5pPr>
+    <a:lvl6pPr marL="2286000" algn="l" defTabSz="914400" rtl="0" eaLnBrk="1" latinLnBrk="0" hangingPunct="1">
+      <a:defRPr sz="1200" kern="1200">
+        <a:solidFill>
+          <a:schemeClr val="tx1"/>
+        </a:solidFill>
+        <a:latin typeface="+mn-lt"/>
+        <a:ea typeface="+mn-ea"/>
+        <a:cs typeface="+mn-cs"/>
+      </a:defRPr>
+    </a:lvl6pPr>
+    <a:lvl7pPr marL="2743200" algn="l" defTabSz="914400" rtl="0" eaLnBrk="1" latinLnBrk="0" hangingPunct="1">
+      <a:defRPr sz="1200" kern="1200">
+        <a:solidFill>
+          <a:schemeClr val="tx1"/>
+        </a:solidFill>
+        <a:latin typeface="+mn-lt"/>
+        <a:ea typeface="+mn-ea"/>
+        <a:cs typeface="+mn-cs"/>
+      </a:defRPr>
+    </a:lvl7pPr>
+    <a:lvl8pPr marL="3200400" algn="l" defTabSz="914400" rtl="0" eaLnBrk="1" latinLnBrk="0" hangingPunct="1">
+      <a:defRPr sz="1200" kern="1200">
+        <a:solidFill>
+          <a:schemeClr val="tx1"/>
+        </a:solidFill>
+        <a:latin typeface="+mn-lt"/>
+        <a:ea typeface="+mn-ea"/>
+        <a:cs typeface="+mn-cs"/>
+      </a:defRPr>
+    </a:lvl8pPr>
+    <a:lvl9pPr marL="3657600" algn="l" defTabSz="914400" rtl="0" eaLnBrk="1" latinLnBrk="0" hangingPunct="1">
+      <a:defRPr sz="1200" kern="1200">
+        <a:solidFill>
+          <a:schemeClr val="tx1"/>
+        </a:solidFill>
+        <a:latin typeface="+mn-lt"/>
+        <a:ea typeface="+mn-ea"/>
+        <a:cs typeface="+mn-cs"/>
+      </a:defRPr>
+    </a:lvl9pPr>
+  </p:notesStyle>
+</p:notesMaster>
+</file>
+
+<file path=ppt/notesSlides/notesSlide1.xml><?xml version="1.0" encoding="utf-8"?>
+<p:notes xmlns:a="http://schemas.openxmlformats.org/drawingml/2006/main" xmlns:r="http://schemas.openxmlformats.org/officeDocument/2006/relationships" xmlns:p="http://schemas.openxmlformats.org/presentationml/2006/main">
+  <p:cSld>
+    <p:spTree>
+      <p:nvGrpSpPr>
+        <p:cNvPr id="1" name=""/>
+        <p:cNvGrpSpPr/>
+        <p:nvPr/>
+      </p:nvGrpSpPr>
+      <p:grpSpPr>
+        <a:xfrm>
+          <a:off x="0" y="0"/>
+          <a:ext cx="0" cy="0"/>
+          <a:chOff x="0" y="0"/>
+          <a:chExt cx="0" cy="0"/>
+        </a:xfrm>
+      </p:grpSpPr>
+      <p:sp>
+        <p:nvSpPr>
+          <p:cNvPr id="2" name="Slide Image Placeholder 1"/>
+          <p:cNvSpPr>
+            <a:spLocks noGrp="1" noRot="1" noChangeAspect="1"/>
+          </p:cNvSpPr>
+          <p:nvPr>
+            <p:ph type="sldImg"/>
+          </p:nvPr>
+        </p:nvSpPr>
+        <p:spPr/>
+      </p:sp>
+      <p:sp>
+        <p:nvSpPr>
+          <p:cNvPr id="3" name="Notes Placeholder 2"/>
+          <p:cNvSpPr>
+            <a:spLocks noGrp="1"/>
+          </p:cNvSpPr>
+          <p:nvPr>
+            <p:ph type="body" idx="1"/>
+          </p:nvPr>
+        </p:nvSpPr>
+        <p:spPr/>
+        <p:txBody>
+          <a:bodyPr/>
+          <a:lstStyle/>
+          <a:p>
+            <a:endParaRPr lang="en-US"/>
+          </a:p>
+        </p:txBody>
+      </p:sp>
+      <p:sp>
+        <p:nvSpPr>
+          <p:cNvPr id="4" name="Slide Number Placeholder 3"/>
+          <p:cNvSpPr>
+            <a:spLocks noGrp="1"/>
+          </p:cNvSpPr>
+          <p:nvPr>
+            <p:ph type="sldNum" sz="quarter" idx="5"/>
+          </p:nvPr>
+        </p:nvSpPr>
+        <p:spPr/>
+        <p:txBody>
+          <a:bodyPr/>
+          <a:lstStyle/>
+          <a:p>
+            <a:fld id="{A0F6E684-7FB4-B744-8175-C2F551BDB430}" type="slidenum">
+              <a:rPr lang="en-US" smtClean="0"/>
+              <a:t>3</a:t>
+            </a:fld>
+            <a:endParaRPr lang="en-US"/>
+          </a:p>
+        </p:txBody>
+      </p:sp>
+    </p:spTree>
+    <p:extLst>
+      <p:ext uri="{BB962C8B-B14F-4D97-AF65-F5344CB8AC3E}">
+        <p14:creationId xmlns:p14="http://schemas.microsoft.com/office/powerpoint/2010/main" val="3170332215"/>
+      </p:ext>
+    </p:extLst>
+  </p:cSld>
+  <p:clrMapOvr>
+    <a:masterClrMapping/>
+  </p:clrMapOvr>
+</p:notes>
+</file>
+
 <file path=ppt/slideLayouts/slideLayout1.xml><?xml version="1.0" encoding="utf-8"?>
 <p:sldLayout xmlns:a="http://schemas.openxmlformats.org/drawingml/2006/main" xmlns:r="http://schemas.openxmlformats.org/officeDocument/2006/relationships" xmlns:p="http://schemas.openxmlformats.org/presentationml/2006/main" type="title" preserve="1">
   <p:cSld name="Title Slide">
@@ -281,7 +717,7 @@
             <a:fld id="{11A6662E-FAF4-44BC-88B5-85A7CBFB6D30}" type="datetime1">
               <a:rPr lang="en-US" smtClean="0"/>
               <a:pPr/>
-              <a:t>9/12/21</a:t>
+              <a:t>9/13/21</a:t>
             </a:fld>
             <a:endParaRPr lang="en-US" dirty="0"/>
           </a:p>
@@ -508,7 +944,7 @@
           <a:p>
             <a:fld id="{4C559632-1575-4E14-B53B-3DC3D5ED3947}" type="datetime1">
               <a:rPr lang="en-US" smtClean="0"/>
-              <a:t>9/12/21</a:t>
+              <a:t>9/13/21</a:t>
             </a:fld>
             <a:endParaRPr lang="en-US"/>
           </a:p>
@@ -716,7 +1152,7 @@
           <a:p>
             <a:fld id="{CC4A6868-2568-4CC9-B302-F37117B01A6E}" type="datetime1">
               <a:rPr lang="en-US" smtClean="0"/>
-              <a:t>9/12/21</a:t>
+              <a:t>9/13/21</a:t>
             </a:fld>
             <a:endParaRPr lang="en-US"/>
           </a:p>
@@ -921,7 +1357,7 @@
           <a:p>
             <a:fld id="{0055F08A-1E71-4B2B-BB49-E743F2903911}" type="datetime1">
               <a:rPr lang="en-US" smtClean="0"/>
-              <a:t>9/12/21</a:t>
+              <a:t>9/13/21</a:t>
             </a:fld>
             <a:endParaRPr lang="en-US" dirty="0"/>
           </a:p>
@@ -1195,7 +1631,7 @@
           <a:p>
             <a:fld id="{15417D9E-721A-44BB-8863-9873FE64DA75}" type="datetime1">
               <a:rPr lang="en-US" smtClean="0"/>
-              <a:t>9/12/21</a:t>
+              <a:t>9/13/21</a:t>
             </a:fld>
             <a:endParaRPr lang="en-US"/>
           </a:p>
@@ -1468,7 +1904,7 @@
           <a:p>
             <a:fld id="{5F31DA2F-80B8-49CF-99FB-5ABCA53A607A}" type="datetime1">
               <a:rPr lang="en-US" smtClean="0"/>
-              <a:t>9/12/21</a:t>
+              <a:t>9/13/21</a:t>
             </a:fld>
             <a:endParaRPr lang="en-US"/>
           </a:p>
@@ -1883,7 +2319,7 @@
           <a:p>
             <a:fld id="{28852172-E6C9-4B6C-929A-A9DE3837BBF1}" type="datetime1">
               <a:rPr lang="en-US" smtClean="0"/>
-              <a:t>9/12/21</a:t>
+              <a:t>9/13/21</a:t>
             </a:fld>
             <a:endParaRPr lang="en-US"/>
           </a:p>
@@ -2035,7 +2471,7 @@
           <a:p>
             <a:fld id="{3AB41CFF-90C9-47B3-9DA1-F2BF8D839F7E}" type="datetime1">
               <a:rPr lang="en-US" smtClean="0"/>
-              <a:t>9/12/21</a:t>
+              <a:t>9/13/21</a:t>
             </a:fld>
             <a:endParaRPr lang="en-US"/>
           </a:p>
@@ -2148,7 +2584,7 @@
           <a:p>
             <a:fld id="{F06048FA-06AB-4884-A69B-986B96E68A24}" type="datetime1">
               <a:rPr lang="en-US" smtClean="0"/>
-              <a:t>9/12/21</a:t>
+              <a:t>9/13/21</a:t>
             </a:fld>
             <a:endParaRPr lang="en-US"/>
           </a:p>
@@ -2459,7 +2895,7 @@
           <a:p>
             <a:fld id="{50DB7ABA-0172-4F9C-889D-567164F66BCD}" type="datetime1">
               <a:rPr lang="en-US" smtClean="0"/>
-              <a:t>9/12/21</a:t>
+              <a:t>9/13/21</a:t>
             </a:fld>
             <a:endParaRPr lang="en-US"/>
           </a:p>
@@ -2750,7 +3186,7 @@
           <a:p>
             <a:fld id="{78AC6A5B-8AE7-4A41-B5A7-9ADC6686DC18}" type="datetime1">
               <a:rPr lang="en-US" smtClean="0"/>
-              <a:t>9/12/21</a:t>
+              <a:t>9/13/21</a:t>
             </a:fld>
             <a:endParaRPr lang="en-US"/>
           </a:p>
@@ -3089,7 +3525,7 @@
             <a:fld id="{57E0CF6C-748E-4B7A-BC8B-3011EF78ED13}" type="datetime1">
               <a:rPr lang="en-US" smtClean="0"/>
               <a:pPr/>
-              <a:t>9/12/21</a:t>
+              <a:t>9/13/21</a:t>
             </a:fld>
             <a:endParaRPr lang="en-US" dirty="0"/>
           </a:p>
@@ -4605,7 +5041,7 @@
     <p:bg>
       <p:bgPr>
         <a:blipFill>
-          <a:blip r:embed="rId2"/>
+          <a:blip r:embed="rId3"/>
           <a:tile tx="0" ty="0" sx="100000" sy="100000" flip="none" algn="tl"/>
         </a:blipFill>
         <a:effectLst/>
@@ -4822,7 +5258,7 @@
             </p:nvPr>
           </p:nvPicPr>
           <p:blipFill rotWithShape="1">
-            <a:blip r:embed="rId3">
+            <a:blip r:embed="rId4">
               <a:duotone>
                 <a:schemeClr val="accent6">
                   <a:shade val="45000"/>
@@ -4874,7 +5310,7 @@
             </p:nvPr>
           </p:nvPicPr>
           <p:blipFill rotWithShape="1">
-            <a:blip r:embed="rId3">
+            <a:blip r:embed="rId4">
               <a:duotone>
                 <a:schemeClr val="accent6">
                   <a:shade val="45000"/>
@@ -4968,27 +5404,18 @@
           <a:p>
             <a:r>
               <a:rPr lang="en-AU" sz="1800" dirty="0">
-                <a:hlinkClick r:id="rId4"/>
+                <a:hlinkClick r:id="rId5"/>
               </a:rPr>
               <a:t>https://www.kaggle.com/kumarajarshi/life-expectancy-who</a:t>
             </a:r>
             <a:endParaRPr lang="en-AU" sz="1800" dirty="0"/>
-          </a:p>
-          <a:p>
-            <a:r>
-              <a:rPr lang="en-US" sz="1800" dirty="0">
-                <a:hlinkClick r:id="rId5"/>
-              </a:rPr>
-              <a:t>https://www.kaggle.com/andradaolteanu/country-mapping-iso-continent-region</a:t>
-            </a:r>
-            <a:endParaRPr lang="en-US" sz="1800" dirty="0"/>
           </a:p>
           <a:p>
             <a:r>
               <a:rPr lang="en-US" sz="1800" dirty="0">
                 <a:hlinkClick r:id="rId6"/>
               </a:rPr>
-              <a:t>https://plotly.com/javascript/gapminder-example/</a:t>
+              <a:t>https://www.kaggle.com/andradaolteanu/country-mapping-iso-continent-region</a:t>
             </a:r>
             <a:endParaRPr lang="en-US" sz="1800" dirty="0"/>
           </a:p>
@@ -4997,7 +5424,7 @@
               <a:rPr lang="en-US" sz="1800" dirty="0">
                 <a:hlinkClick r:id="rId7"/>
               </a:rPr>
-              <a:t>https://leafletjs.com/examples/choropleth/</a:t>
+              <a:t>https://plotly.com/javascript/gapminder-example/</a:t>
             </a:r>
             <a:endParaRPr lang="en-US" sz="1800" dirty="0"/>
           </a:p>
@@ -5005,6 +5432,15 @@
             <a:r>
               <a:rPr lang="en-US" sz="1800" dirty="0">
                 <a:hlinkClick r:id="rId8"/>
+              </a:rPr>
+              <a:t>https://plotly.com/javascript/choropleth-maps/</a:t>
+            </a:r>
+            <a:endParaRPr lang="en-US" sz="1800" dirty="0"/>
+          </a:p>
+          <a:p>
+            <a:r>
+              <a:rPr lang="en-US" sz="1800" dirty="0">
+                <a:hlinkClick r:id="rId9"/>
               </a:rPr>
               <a:t>https://plotly.com/javascript/box-plots/</a:t>
             </a:r>
@@ -6341,4 +6777,299 @@
     </a:ext>
   </a:extLst>
 </a:theme>
+</file>
+
+<file path=ppt/theme/theme2.xml><?xml version="1.0" encoding="utf-8"?>
+<a:theme xmlns:a="http://schemas.openxmlformats.org/drawingml/2006/main" name="Office Theme">
+  <a:themeElements>
+    <a:clrScheme name="Office">
+      <a:dk1>
+        <a:sysClr val="windowText" lastClr="000000"/>
+      </a:dk1>
+      <a:lt1>
+        <a:sysClr val="window" lastClr="FFFFFF"/>
+      </a:lt1>
+      <a:dk2>
+        <a:srgbClr val="44546A"/>
+      </a:dk2>
+      <a:lt2>
+        <a:srgbClr val="E7E6E6"/>
+      </a:lt2>
+      <a:accent1>
+        <a:srgbClr val="4472C4"/>
+      </a:accent1>
+      <a:accent2>
+        <a:srgbClr val="ED7D31"/>
+      </a:accent2>
+      <a:accent3>
+        <a:srgbClr val="A5A5A5"/>
+      </a:accent3>
+      <a:accent4>
+        <a:srgbClr val="FFC000"/>
+      </a:accent4>
+      <a:accent5>
+        <a:srgbClr val="5B9BD5"/>
+      </a:accent5>
+      <a:accent6>
+        <a:srgbClr val="70AD47"/>
+      </a:accent6>
+      <a:hlink>
+        <a:srgbClr val="0563C1"/>
+      </a:hlink>
+      <a:folHlink>
+        <a:srgbClr val="954F72"/>
+      </a:folHlink>
+    </a:clrScheme>
+    <a:fontScheme name="Office">
+      <a:majorFont>
+        <a:latin typeface="Calibri Light" panose="020F0302020204030204"/>
+        <a:ea typeface=""/>
+        <a:cs typeface=""/>
+        <a:font script="Jpan" typeface="游ゴシック Light"/>
+        <a:font script="Hang" typeface="맑은 고딕"/>
+        <a:font script="Hans" typeface="等线 Light"/>
+        <a:font script="Hant" typeface="新細明體"/>
+        <a:font script="Arab" typeface="Times New Roman"/>
+        <a:font script="Hebr" typeface="Times New Roman"/>
+        <a:font script="Thai" typeface="Angsana New"/>
+        <a:font script="Ethi" typeface="Nyala"/>
+        <a:font script="Beng" typeface="Vrinda"/>
+        <a:font script="Gujr" typeface="Shruti"/>
+        <a:font script="Khmr" typeface="MoolBoran"/>
+        <a:font script="Knda" typeface="Tunga"/>
+        <a:font script="Guru" typeface="Raavi"/>
+        <a:font script="Cans" typeface="Euphemia"/>
+        <a:font script="Cher" typeface="Plantagenet Cherokee"/>
+        <a:font script="Yiii" typeface="Microsoft Yi Baiti"/>
+        <a:font script="Tibt" typeface="Microsoft Himalaya"/>
+        <a:font script="Thaa" typeface="MV Boli"/>
+        <a:font script="Deva" typeface="Mangal"/>
+        <a:font script="Telu" typeface="Gautami"/>
+        <a:font script="Taml" typeface="Latha"/>
+        <a:font script="Syrc" typeface="Estrangelo Edessa"/>
+        <a:font script="Orya" typeface="Kalinga"/>
+        <a:font script="Mlym" typeface="Kartika"/>
+        <a:font script="Laoo" typeface="DokChampa"/>
+        <a:font script="Sinh" typeface="Iskoola Pota"/>
+        <a:font script="Mong" typeface="Mongolian Baiti"/>
+        <a:font script="Viet" typeface="Times New Roman"/>
+        <a:font script="Uigh" typeface="Microsoft Uighur"/>
+        <a:font script="Geor" typeface="Sylfaen"/>
+        <a:font script="Armn" typeface="Arial"/>
+        <a:font script="Bugi" typeface="Leelawadee UI"/>
+        <a:font script="Bopo" typeface="Microsoft JhengHei"/>
+        <a:font script="Java" typeface="Javanese Text"/>
+        <a:font script="Lisu" typeface="Segoe UI"/>
+        <a:font script="Mymr" typeface="Myanmar Text"/>
+        <a:font script="Nkoo" typeface="Ebrima"/>
+        <a:font script="Olck" typeface="Nirmala UI"/>
+        <a:font script="Osma" typeface="Ebrima"/>
+        <a:font script="Phag" typeface="Phagspa"/>
+        <a:font script="Syrn" typeface="Estrangelo Edessa"/>
+        <a:font script="Syrj" typeface="Estrangelo Edessa"/>
+        <a:font script="Syre" typeface="Estrangelo Edessa"/>
+        <a:font script="Sora" typeface="Nirmala UI"/>
+        <a:font script="Tale" typeface="Microsoft Tai Le"/>
+        <a:font script="Talu" typeface="Microsoft New Tai Lue"/>
+        <a:font script="Tfng" typeface="Ebrima"/>
+      </a:majorFont>
+      <a:minorFont>
+        <a:latin typeface="Calibri" panose="020F0502020204030204"/>
+        <a:ea typeface=""/>
+        <a:cs typeface=""/>
+        <a:font script="Jpan" typeface="游ゴシック"/>
+        <a:font script="Hang" typeface="맑은 고딕"/>
+        <a:font script="Hans" typeface="等线"/>
+        <a:font script="Hant" typeface="新細明體"/>
+        <a:font script="Arab" typeface="Arial"/>
+        <a:font script="Hebr" typeface="Arial"/>
+        <a:font script="Thai" typeface="Cordia New"/>
+        <a:font script="Ethi" typeface="Nyala"/>
+        <a:font script="Beng" typeface="Vrinda"/>
+        <a:font script="Gujr" typeface="Shruti"/>
+        <a:font script="Khmr" typeface="DaunPenh"/>
+        <a:font script="Knda" typeface="Tunga"/>
+        <a:font script="Guru" typeface="Raavi"/>
+        <a:font script="Cans" typeface="Euphemia"/>
+        <a:font script="Cher" typeface="Plantagenet Cherokee"/>
+        <a:font script="Yiii" typeface="Microsoft Yi Baiti"/>
+        <a:font script="Tibt" typeface="Microsoft Himalaya"/>
+        <a:font script="Thaa" typeface="MV Boli"/>
+        <a:font script="Deva" typeface="Mangal"/>
+        <a:font script="Telu" typeface="Gautami"/>
+        <a:font script="Taml" typeface="Latha"/>
+        <a:font script="Syrc" typeface="Estrangelo Edessa"/>
+        <a:font script="Orya" typeface="Kalinga"/>
+        <a:font script="Mlym" typeface="Kartika"/>
+        <a:font script="Laoo" typeface="DokChampa"/>
+        <a:font script="Sinh" typeface="Iskoola Pota"/>
+        <a:font script="Mong" typeface="Mongolian Baiti"/>
+        <a:font script="Viet" typeface="Arial"/>
+        <a:font script="Uigh" typeface="Microsoft Uighur"/>
+        <a:font script="Geor" typeface="Sylfaen"/>
+        <a:font script="Armn" typeface="Arial"/>
+        <a:font script="Bugi" typeface="Leelawadee UI"/>
+        <a:font script="Bopo" typeface="Microsoft JhengHei"/>
+        <a:font script="Java" typeface="Javanese Text"/>
+        <a:font script="Lisu" typeface="Segoe UI"/>
+        <a:font script="Mymr" typeface="Myanmar Text"/>
+        <a:font script="Nkoo" typeface="Ebrima"/>
+        <a:font script="Olck" typeface="Nirmala UI"/>
+        <a:font script="Osma" typeface="Ebrima"/>
+        <a:font script="Phag" typeface="Phagspa"/>
+        <a:font script="Syrn" typeface="Estrangelo Edessa"/>
+        <a:font script="Syrj" typeface="Estrangelo Edessa"/>
+        <a:font script="Syre" typeface="Estrangelo Edessa"/>
+        <a:font script="Sora" typeface="Nirmala UI"/>
+        <a:font script="Tale" typeface="Microsoft Tai Le"/>
+        <a:font script="Talu" typeface="Microsoft New Tai Lue"/>
+        <a:font script="Tfng" typeface="Ebrima"/>
+      </a:minorFont>
+    </a:fontScheme>
+    <a:fmtScheme name="Office">
+      <a:fillStyleLst>
+        <a:solidFill>
+          <a:schemeClr val="phClr"/>
+        </a:solidFill>
+        <a:gradFill rotWithShape="1">
+          <a:gsLst>
+            <a:gs pos="0">
+              <a:schemeClr val="phClr">
+                <a:lumMod val="110000"/>
+                <a:satMod val="105000"/>
+                <a:tint val="67000"/>
+              </a:schemeClr>
+            </a:gs>
+            <a:gs pos="50000">
+              <a:schemeClr val="phClr">
+                <a:lumMod val="105000"/>
+                <a:satMod val="103000"/>
+                <a:tint val="73000"/>
+              </a:schemeClr>
+            </a:gs>
+            <a:gs pos="100000">
+              <a:schemeClr val="phClr">
+                <a:lumMod val="105000"/>
+                <a:satMod val="109000"/>
+                <a:tint val="81000"/>
+              </a:schemeClr>
+            </a:gs>
+          </a:gsLst>
+          <a:lin ang="5400000" scaled="0"/>
+        </a:gradFill>
+        <a:gradFill rotWithShape="1">
+          <a:gsLst>
+            <a:gs pos="0">
+              <a:schemeClr val="phClr">
+                <a:satMod val="103000"/>
+                <a:lumMod val="102000"/>
+                <a:tint val="94000"/>
+              </a:schemeClr>
+            </a:gs>
+            <a:gs pos="50000">
+              <a:schemeClr val="phClr">
+                <a:satMod val="110000"/>
+                <a:lumMod val="100000"/>
+                <a:shade val="100000"/>
+              </a:schemeClr>
+            </a:gs>
+            <a:gs pos="100000">
+              <a:schemeClr val="phClr">
+                <a:lumMod val="99000"/>
+                <a:satMod val="120000"/>
+                <a:shade val="78000"/>
+              </a:schemeClr>
+            </a:gs>
+          </a:gsLst>
+          <a:lin ang="5400000" scaled="0"/>
+        </a:gradFill>
+      </a:fillStyleLst>
+      <a:lnStyleLst>
+        <a:ln w="6350" cap="flat" cmpd="sng" algn="ctr">
+          <a:solidFill>
+            <a:schemeClr val="phClr"/>
+          </a:solidFill>
+          <a:prstDash val="solid"/>
+          <a:miter lim="800000"/>
+        </a:ln>
+        <a:ln w="12700" cap="flat" cmpd="sng" algn="ctr">
+          <a:solidFill>
+            <a:schemeClr val="phClr"/>
+          </a:solidFill>
+          <a:prstDash val="solid"/>
+          <a:miter lim="800000"/>
+        </a:ln>
+        <a:ln w="19050" cap="flat" cmpd="sng" algn="ctr">
+          <a:solidFill>
+            <a:schemeClr val="phClr"/>
+          </a:solidFill>
+          <a:prstDash val="solid"/>
+          <a:miter lim="800000"/>
+        </a:ln>
+      </a:lnStyleLst>
+      <a:effectStyleLst>
+        <a:effectStyle>
+          <a:effectLst/>
+        </a:effectStyle>
+        <a:effectStyle>
+          <a:effectLst/>
+        </a:effectStyle>
+        <a:effectStyle>
+          <a:effectLst>
+            <a:outerShdw blurRad="57150" dist="19050" dir="5400000" algn="ctr" rotWithShape="0">
+              <a:srgbClr val="000000">
+                <a:alpha val="63000"/>
+              </a:srgbClr>
+            </a:outerShdw>
+          </a:effectLst>
+        </a:effectStyle>
+      </a:effectStyleLst>
+      <a:bgFillStyleLst>
+        <a:solidFill>
+          <a:schemeClr val="phClr"/>
+        </a:solidFill>
+        <a:solidFill>
+          <a:schemeClr val="phClr">
+            <a:tint val="95000"/>
+            <a:satMod val="170000"/>
+          </a:schemeClr>
+        </a:solidFill>
+        <a:gradFill rotWithShape="1">
+          <a:gsLst>
+            <a:gs pos="0">
+              <a:schemeClr val="phClr">
+                <a:tint val="93000"/>
+                <a:satMod val="150000"/>
+                <a:shade val="98000"/>
+                <a:lumMod val="102000"/>
+              </a:schemeClr>
+            </a:gs>
+            <a:gs pos="50000">
+              <a:schemeClr val="phClr">
+                <a:tint val="98000"/>
+                <a:satMod val="130000"/>
+                <a:shade val="90000"/>
+                <a:lumMod val="103000"/>
+              </a:schemeClr>
+            </a:gs>
+            <a:gs pos="100000">
+              <a:schemeClr val="phClr">
+                <a:shade val="63000"/>
+                <a:satMod val="120000"/>
+              </a:schemeClr>
+            </a:gs>
+          </a:gsLst>
+          <a:lin ang="5400000" scaled="0"/>
+        </a:gradFill>
+      </a:bgFillStyleLst>
+    </a:fmtScheme>
+  </a:themeElements>
+  <a:objectDefaults/>
+  <a:extraClrSchemeLst/>
+  <a:extLst>
+    <a:ext uri="{05A4C25C-085E-4340-85A3-A5531E510DB2}">
+      <thm15:themeFamily xmlns:thm15="http://schemas.microsoft.com/office/thememl/2012/main" name="Office Theme" id="{62F939B6-93AF-4DB8-9C6B-D6C7DFDC589F}" vid="{4A3C46E8-61CC-4603-A589-7422A47A8E4A}"/>
+    </a:ext>
+  </a:extLst>
+</a:theme>
 </file>
--- a/Proposal Presentation/Life Expectancy presentation.pptx
+++ b/Proposal Presentation/Life Expectancy presentation.pptx
@@ -5,7 +5,7 @@
     <p:sldMasterId id="2147483775" r:id="rId1"/>
   </p:sldMasterIdLst>
   <p:notesMasterIdLst>
-    <p:notesMasterId r:id="rId9"/>
+    <p:notesMasterId r:id="rId10"/>
   </p:notesMasterIdLst>
   <p:sldIdLst>
     <p:sldId id="256" r:id="rId2"/>
@@ -15,6 +15,7 @@
     <p:sldId id="261" r:id="rId6"/>
     <p:sldId id="259" r:id="rId7"/>
     <p:sldId id="262" r:id="rId8"/>
+    <p:sldId id="263" r:id="rId9"/>
   </p:sldIdLst>
   <p:sldSz cx="12192000" cy="6858000"/>
   <p:notesSz cx="6858000" cy="9144000"/>
@@ -203,7 +204,7 @@
           <a:p>
             <a:fld id="{8E81735D-A8F1-C94A-AD3E-54BE72F7CEF6}" type="datetimeFigureOut">
               <a:rPr lang="en-US" smtClean="0"/>
-              <a:t>9/13/21</a:t>
+              <a:t>9/14/21</a:t>
             </a:fld>
             <a:endParaRPr lang="en-US"/>
           </a:p>
@@ -514,6 +515,90 @@
           <a:bodyPr/>
           <a:lstStyle/>
           <a:p>
+            <a:endParaRPr lang="en-US" dirty="0"/>
+          </a:p>
+        </p:txBody>
+      </p:sp>
+      <p:sp>
+        <p:nvSpPr>
+          <p:cNvPr id="4" name="Slide Number Placeholder 3"/>
+          <p:cNvSpPr>
+            <a:spLocks noGrp="1"/>
+          </p:cNvSpPr>
+          <p:nvPr>
+            <p:ph type="sldNum" sz="quarter" idx="5"/>
+          </p:nvPr>
+        </p:nvSpPr>
+        <p:spPr/>
+        <p:txBody>
+          <a:bodyPr/>
+          <a:lstStyle/>
+          <a:p>
+            <a:fld id="{A0F6E684-7FB4-B744-8175-C2F551BDB430}" type="slidenum">
+              <a:rPr lang="en-US" smtClean="0"/>
+              <a:t>2</a:t>
+            </a:fld>
+            <a:endParaRPr lang="en-US"/>
+          </a:p>
+        </p:txBody>
+      </p:sp>
+    </p:spTree>
+    <p:extLst>
+      <p:ext uri="{BB962C8B-B14F-4D97-AF65-F5344CB8AC3E}">
+        <p14:creationId xmlns:p14="http://schemas.microsoft.com/office/powerpoint/2010/main" val="2425013074"/>
+      </p:ext>
+    </p:extLst>
+  </p:cSld>
+  <p:clrMapOvr>
+    <a:masterClrMapping/>
+  </p:clrMapOvr>
+</p:notes>
+</file>
+
+<file path=ppt/notesSlides/notesSlide2.xml><?xml version="1.0" encoding="utf-8"?>
+<p:notes xmlns:a="http://schemas.openxmlformats.org/drawingml/2006/main" xmlns:r="http://schemas.openxmlformats.org/officeDocument/2006/relationships" xmlns:p="http://schemas.openxmlformats.org/presentationml/2006/main">
+  <p:cSld>
+    <p:spTree>
+      <p:nvGrpSpPr>
+        <p:cNvPr id="1" name=""/>
+        <p:cNvGrpSpPr/>
+        <p:nvPr/>
+      </p:nvGrpSpPr>
+      <p:grpSpPr>
+        <a:xfrm>
+          <a:off x="0" y="0"/>
+          <a:ext cx="0" cy="0"/>
+          <a:chOff x="0" y="0"/>
+          <a:chExt cx="0" cy="0"/>
+        </a:xfrm>
+      </p:grpSpPr>
+      <p:sp>
+        <p:nvSpPr>
+          <p:cNvPr id="2" name="Slide Image Placeholder 1"/>
+          <p:cNvSpPr>
+            <a:spLocks noGrp="1" noRot="1" noChangeAspect="1"/>
+          </p:cNvSpPr>
+          <p:nvPr>
+            <p:ph type="sldImg"/>
+          </p:nvPr>
+        </p:nvSpPr>
+        <p:spPr/>
+      </p:sp>
+      <p:sp>
+        <p:nvSpPr>
+          <p:cNvPr id="3" name="Notes Placeholder 2"/>
+          <p:cNvSpPr>
+            <a:spLocks noGrp="1"/>
+          </p:cNvSpPr>
+          <p:nvPr>
+            <p:ph type="body" idx="1"/>
+          </p:nvPr>
+        </p:nvSpPr>
+        <p:spPr/>
+        <p:txBody>
+          <a:bodyPr/>
+          <a:lstStyle/>
+          <a:p>
             <a:endParaRPr lang="en-US"/>
           </a:p>
         </p:txBody>
@@ -717,7 +802,7 @@
             <a:fld id="{11A6662E-FAF4-44BC-88B5-85A7CBFB6D30}" type="datetime1">
               <a:rPr lang="en-US" smtClean="0"/>
               <a:pPr/>
-              <a:t>9/13/21</a:t>
+              <a:t>9/14/21</a:t>
             </a:fld>
             <a:endParaRPr lang="en-US" dirty="0"/>
           </a:p>
@@ -944,7 +1029,7 @@
           <a:p>
             <a:fld id="{4C559632-1575-4E14-B53B-3DC3D5ED3947}" type="datetime1">
               <a:rPr lang="en-US" smtClean="0"/>
-              <a:t>9/13/21</a:t>
+              <a:t>9/14/21</a:t>
             </a:fld>
             <a:endParaRPr lang="en-US"/>
           </a:p>
@@ -1152,7 +1237,7 @@
           <a:p>
             <a:fld id="{CC4A6868-2568-4CC9-B302-F37117B01A6E}" type="datetime1">
               <a:rPr lang="en-US" smtClean="0"/>
-              <a:t>9/13/21</a:t>
+              <a:t>9/14/21</a:t>
             </a:fld>
             <a:endParaRPr lang="en-US"/>
           </a:p>
@@ -1357,7 +1442,7 @@
           <a:p>
             <a:fld id="{0055F08A-1E71-4B2B-BB49-E743F2903911}" type="datetime1">
               <a:rPr lang="en-US" smtClean="0"/>
-              <a:t>9/13/21</a:t>
+              <a:t>9/14/21</a:t>
             </a:fld>
             <a:endParaRPr lang="en-US" dirty="0"/>
           </a:p>
@@ -1631,7 +1716,7 @@
           <a:p>
             <a:fld id="{15417D9E-721A-44BB-8863-9873FE64DA75}" type="datetime1">
               <a:rPr lang="en-US" smtClean="0"/>
-              <a:t>9/13/21</a:t>
+              <a:t>9/14/21</a:t>
             </a:fld>
             <a:endParaRPr lang="en-US"/>
           </a:p>
@@ -1904,7 +1989,7 @@
           <a:p>
             <a:fld id="{5F31DA2F-80B8-49CF-99FB-5ABCA53A607A}" type="datetime1">
               <a:rPr lang="en-US" smtClean="0"/>
-              <a:t>9/13/21</a:t>
+              <a:t>9/14/21</a:t>
             </a:fld>
             <a:endParaRPr lang="en-US"/>
           </a:p>
@@ -2319,7 +2404,7 @@
           <a:p>
             <a:fld id="{28852172-E6C9-4B6C-929A-A9DE3837BBF1}" type="datetime1">
               <a:rPr lang="en-US" smtClean="0"/>
-              <a:t>9/13/21</a:t>
+              <a:t>9/14/21</a:t>
             </a:fld>
             <a:endParaRPr lang="en-US"/>
           </a:p>
@@ -2471,7 +2556,7 @@
           <a:p>
             <a:fld id="{3AB41CFF-90C9-47B3-9DA1-F2BF8D839F7E}" type="datetime1">
               <a:rPr lang="en-US" smtClean="0"/>
-              <a:t>9/13/21</a:t>
+              <a:t>9/14/21</a:t>
             </a:fld>
             <a:endParaRPr lang="en-US"/>
           </a:p>
@@ -2584,7 +2669,7 @@
           <a:p>
             <a:fld id="{F06048FA-06AB-4884-A69B-986B96E68A24}" type="datetime1">
               <a:rPr lang="en-US" smtClean="0"/>
-              <a:t>9/13/21</a:t>
+              <a:t>9/14/21</a:t>
             </a:fld>
             <a:endParaRPr lang="en-US"/>
           </a:p>
@@ -2895,7 +2980,7 @@
           <a:p>
             <a:fld id="{50DB7ABA-0172-4F9C-889D-567164F66BCD}" type="datetime1">
               <a:rPr lang="en-US" smtClean="0"/>
-              <a:t>9/13/21</a:t>
+              <a:t>9/14/21</a:t>
             </a:fld>
             <a:endParaRPr lang="en-US"/>
           </a:p>
@@ -3186,7 +3271,7 @@
           <a:p>
             <a:fld id="{78AC6A5B-8AE7-4A41-B5A7-9ADC6686DC18}" type="datetime1">
               <a:rPr lang="en-US" smtClean="0"/>
-              <a:t>9/13/21</a:t>
+              <a:t>9/14/21</a:t>
             </a:fld>
             <a:endParaRPr lang="en-US"/>
           </a:p>
@@ -3525,7 +3610,7 @@
             <a:fld id="{57E0CF6C-748E-4B7A-BC8B-3011EF78ED13}" type="datetime1">
               <a:rPr lang="en-US" smtClean="0"/>
               <a:pPr/>
-              <a:t>9/13/21</a:t>
+              <a:t>9/14/21</a:t>
             </a:fld>
             <a:endParaRPr lang="en-US" dirty="0"/>
           </a:p>
@@ -4527,7 +4612,7 @@
                   </a:outerShdw>
                 </a:effectLst>
               </a:rPr>
-              <a:t>Mohini</a:t>
+              <a:t>Mohini Yadav</a:t>
             </a:r>
           </a:p>
           <a:p>
@@ -4589,7 +4674,7 @@
     <p:bg>
       <p:bgPr>
         <a:blipFill>
-          <a:blip r:embed="rId2"/>
+          <a:blip r:embed="rId3"/>
           <a:tile tx="0" ty="0" sx="100000" sy="100000" flip="none" algn="tl"/>
         </a:blipFill>
         <a:effectLst/>
@@ -4806,7 +4891,7 @@
             </p:nvPr>
           </p:nvPicPr>
           <p:blipFill>
-            <a:blip r:embed="rId3">
+            <a:blip r:embed="rId4">
               <a:duotone>
                 <a:schemeClr val="accent6">
                   <a:shade val="45000"/>
@@ -4859,7 +4944,7 @@
             </p:nvPr>
           </p:nvPicPr>
           <p:blipFill>
-            <a:blip r:embed="rId4">
+            <a:blip r:embed="rId5">
               <a:duotone>
                 <a:schemeClr val="accent6">
                   <a:shade val="45000"/>
@@ -4921,28 +5006,16 @@
           <a:lstStyle/>
           <a:p>
             <a:r>
-              <a:rPr lang="en-US" sz="1800" dirty="0">
-                <a:solidFill>
-                  <a:srgbClr val="C017BA"/>
-                </a:solidFill>
-              </a:rPr>
+              <a:rPr lang="en-US" sz="1800" dirty="0"/>
               <a:t>When we were looking for project ideas and dataset, we went through Kaggle for ideas.  The life expectancy page on Kaggle grabbed our attention and looking through the dataset – we became inquisitive of the life expectancy rate across the world – that includes both developing and developed countries.</a:t>
             </a:r>
           </a:p>
           <a:p>
-            <a:endParaRPr lang="en-US" sz="1800" dirty="0">
-              <a:solidFill>
-                <a:srgbClr val="C017BA"/>
-              </a:solidFill>
-            </a:endParaRPr>
-          </a:p>
-          <a:p>
-            <a:r>
-              <a:rPr lang="en-US" sz="1800" dirty="0">
-                <a:solidFill>
-                  <a:srgbClr val="C017BA"/>
-                </a:solidFill>
-              </a:rPr>
+            <a:endParaRPr lang="en-US" sz="1800" dirty="0"/>
+          </a:p>
+          <a:p>
+            <a:r>
+              <a:rPr lang="en-US" sz="1800" dirty="0"/>
               <a:t>Researching further and with inputs from Vicki and Adnan, we also came across a Ted Talk video by Hans Rosling in which he points out the preconceived ideas that are in existence about life expectancy – comparing the western world and third world countries.</a:t>
             </a:r>
           </a:p>
@@ -4963,11 +5036,11 @@
           <p:nvPr/>
         </p:nvPicPr>
         <p:blipFill rotWithShape="1">
-          <a:blip r:embed="rId5">
+          <a:blip r:embed="rId6">
             <a:extLst>
               <a:ext uri="{BEBA8EAE-BF5A-486C-A8C5-ECC9F3942E4B}">
                 <a14:imgProps xmlns:a14="http://schemas.microsoft.com/office/drawing/2010/main">
-                  <a14:imgLayer r:embed="rId6">
+                  <a14:imgLayer r:embed="rId7">
                     <a14:imgEffect>
                       <a14:colorTemperature colorTemp="3279"/>
                     </a14:imgEffect>
@@ -5398,7 +5471,7 @@
         </p:spPr>
         <p:txBody>
           <a:bodyPr anchor="ctr">
-            <a:normAutofit/>
+            <a:normAutofit fontScale="92500"/>
           </a:bodyPr>
           <a:lstStyle/>
           <a:p>
@@ -5421,19 +5494,32 @@
           </a:p>
           <a:p>
             <a:r>
-              <a:rPr lang="en-US" sz="1800" dirty="0">
-                <a:hlinkClick r:id="rId7"/>
+              <a:rPr lang="en-AU" sz="1800" dirty="0">
+                <a:solidFill>
+                  <a:srgbClr val="C00000"/>
+                </a:solidFill>
+                <a:hlinkClick r:id="rId7">
+                  <a:extLst>
+                    <a:ext uri="{A12FA001-AC4F-418D-AE19-62706E023703}">
+                      <ahyp:hlinkClr xmlns:ahyp="http://schemas.microsoft.com/office/drawing/2018/hyperlinkcolor" val="tx"/>
+                    </a:ext>
+                  </a:extLst>
+                </a:hlinkClick>
               </a:rPr>
-              <a:t>https://plotly.com/javascript/gapminder-example/</a:t>
-            </a:r>
-            <a:endParaRPr lang="en-US" sz="1800" dirty="0"/>
+              <a:t>https://www.ted.com/playlists/474/the_best_hans_rosling_talks_yo</a:t>
+            </a:r>
+            <a:endParaRPr lang="en-US" sz="1800" dirty="0">
+              <a:solidFill>
+                <a:srgbClr val="C00000"/>
+              </a:solidFill>
+            </a:endParaRPr>
           </a:p>
           <a:p>
             <a:r>
               <a:rPr lang="en-US" sz="1800" dirty="0">
                 <a:hlinkClick r:id="rId8"/>
               </a:rPr>
-              <a:t>https://plotly.com/javascript/choropleth-maps/</a:t>
+              <a:t>https://plotly.com/javascript/gapminder-example/</a:t>
             </a:r>
             <a:endParaRPr lang="en-US" sz="1800" dirty="0"/>
           </a:p>
@@ -5441,6 +5527,15 @@
             <a:r>
               <a:rPr lang="en-US" sz="1800" dirty="0">
                 <a:hlinkClick r:id="rId9"/>
+              </a:rPr>
+              <a:t>https://plotly.com/javascript/choropleth-maps/</a:t>
+            </a:r>
+            <a:endParaRPr lang="en-US" sz="1800" dirty="0"/>
+          </a:p>
+          <a:p>
+            <a:r>
+              <a:rPr lang="en-US" sz="1800" dirty="0">
+                <a:hlinkClick r:id="rId10"/>
               </a:rPr>
               <a:t>https://plotly.com/javascript/box-plots/</a:t>
             </a:r>
@@ -6501,6 +6596,15 @@
 <file path=ppt/slides/slide7.xml><?xml version="1.0" encoding="utf-8"?>
 <p:sld xmlns:a="http://schemas.openxmlformats.org/drawingml/2006/main" xmlns:r="http://schemas.openxmlformats.org/officeDocument/2006/relationships" xmlns:p="http://schemas.openxmlformats.org/presentationml/2006/main">
   <p:cSld>
+    <p:bg>
+      <p:bgPr>
+        <a:blipFill>
+          <a:blip r:embed="rId2"/>
+          <a:tile tx="0" ty="0" sx="100000" sy="100000" flip="none" algn="tl"/>
+        </a:blipFill>
+        <a:effectLst/>
+      </p:bgPr>
+    </p:bg>
     <p:spTree>
       <p:nvGrpSpPr>
         <p:cNvPr id="1" name=""/>
@@ -6520,7 +6624,7 @@
           <p:cNvPr id="2" name="Title 1">
             <a:extLst>
               <a:ext uri="{FF2B5EF4-FFF2-40B4-BE49-F238E27FC236}">
-                <a16:creationId xmlns:a16="http://schemas.microsoft.com/office/drawing/2014/main" id="{231AA7D4-5B7F-B14C-97AF-7B254704CEB1}"/>
+                <a16:creationId xmlns:a16="http://schemas.microsoft.com/office/drawing/2014/main" id="{119D5A8E-020D-3244-A616-9426F90F9D0C}"/>
               </a:ext>
             </a:extLst>
           </p:cNvPr>
@@ -6536,7 +6640,10 @@
           <a:bodyPr/>
           <a:lstStyle/>
           <a:p>
-            <a:endParaRPr lang="en-US"/>
+            <a:r>
+              <a:rPr lang="en-US" dirty="0"/>
+              <a:t>Our Analysis</a:t>
+            </a:r>
           </a:p>
         </p:txBody>
       </p:sp>
@@ -6545,7 +6652,7 @@
           <p:cNvPr id="3" name="Content Placeholder 2">
             <a:extLst>
               <a:ext uri="{FF2B5EF4-FFF2-40B4-BE49-F238E27FC236}">
-                <a16:creationId xmlns:a16="http://schemas.microsoft.com/office/drawing/2014/main" id="{870A37CD-A8D0-434A-92E9-FA40B0717A55}"/>
+                <a16:creationId xmlns:a16="http://schemas.microsoft.com/office/drawing/2014/main" id="{7400FBAA-C482-A24E-8A73-FF0A289B7DDC}"/>
               </a:ext>
             </a:extLst>
           </p:cNvPr>
@@ -6556,19 +6663,247 @@
             <p:ph idx="1"/>
           </p:nvPr>
         </p:nvSpPr>
-        <p:spPr/>
-        <p:txBody>
-          <a:bodyPr/>
-          <a:lstStyle/>
-          <a:p>
-            <a:endParaRPr lang="en-US"/>
+        <p:spPr>
+          <a:xfrm>
+            <a:off x="358346" y="1691323"/>
+            <a:ext cx="11374960" cy="4773613"/>
+          </a:xfrm>
+        </p:spPr>
+        <p:txBody>
+          <a:bodyPr>
+            <a:normAutofit fontScale="47500" lnSpcReduction="20000"/>
+          </a:bodyPr>
+          <a:lstStyle/>
+          <a:p>
+            <a:pPr marL="0" indent="0">
+              <a:buNone/>
+            </a:pPr>
+            <a:r>
+              <a:rPr lang="en-AU" dirty="0"/>
+              <a:t>All of you probably have heard the lines about how “40 is the new 30” or “30 is the new 20.” What is this based on? We tried to solve the problem using life expectancy data with some visualisations.</a:t>
+            </a:r>
+            <a:br>
+              <a:rPr lang="en-AU" dirty="0"/>
+            </a:br>
+            <a:endParaRPr lang="en-AU" dirty="0"/>
+          </a:p>
+          <a:p>
+            <a:r>
+              <a:rPr lang="en-AU" dirty="0"/>
+              <a:t>The following three visualizations examine life expectancies to discuss this tendency of humans to generalize and how the right visualizations can help us better understand the world we live in.</a:t>
+            </a:r>
+            <a:br>
+              <a:rPr lang="en-AU" dirty="0"/>
+            </a:br>
+            <a:endParaRPr lang="en-AU" dirty="0"/>
+          </a:p>
+          <a:p>
+            <a:r>
+              <a:rPr lang="en-AU" dirty="0"/>
+              <a:t>Global choropleth by country (while many counties in Europe have higher life expectancies (darker in </a:t>
+            </a:r>
+            <a:r>
+              <a:rPr lang="en-AU" dirty="0" err="1"/>
+              <a:t>color</a:t>
+            </a:r>
+            <a:r>
+              <a:rPr lang="en-AU" dirty="0"/>
+              <a:t>) not all countries in Europe have longer life expectancies than some African countries.</a:t>
+            </a:r>
+          </a:p>
+          <a:p>
+            <a:r>
+              <a:rPr lang="en-AU" dirty="0"/>
+              <a:t>This tendency to group countries together comes from the "flaw of averages." While a single average can be used to categorize an entire region, often the real information is missed (this can happen if one only looks at the median values for each region in the box plot vs. the true spread of life expectancy that can only be seen at the country level.</a:t>
+            </a:r>
+          </a:p>
+          <a:p>
+            <a:r>
+              <a:rPr lang="en-AU" dirty="0"/>
+              <a:t>This spread can be seen for each year using the bubble chart where regions can be turned on and off so can see many "western countries" have a lower life expectancy than the countries we might categorize as "third world" like those countries in Africa.</a:t>
+            </a:r>
+          </a:p>
+          <a:p>
+            <a:pPr marL="0" indent="0">
+              <a:buNone/>
+            </a:pPr>
+            <a:endParaRPr lang="en-AU" dirty="0"/>
+          </a:p>
+          <a:p>
+            <a:pPr marL="0" indent="0">
+              <a:buNone/>
+            </a:pPr>
+            <a:r>
+              <a:rPr lang="en-AU" dirty="0"/>
+              <a:t>People live longer in countries with a higher GDP per capita. Or put differently; in countries with longer lives, GDP per capita is higher. However, The connection between health and wealth doesn’t tell us which comes first. But one thing is clear: there are not two groups of countries, despite what many people think. Dividing the countries into two groups, developing vs. developed, is extremely misleading. Simply because While this might be true on average, there are several African countries that have longer life expectancies than some European countries.</a:t>
+            </a:r>
+            <a:endParaRPr lang="en-US" dirty="0"/>
           </a:p>
         </p:txBody>
       </p:sp>
     </p:spTree>
     <p:extLst>
       <p:ext uri="{BB962C8B-B14F-4D97-AF65-F5344CB8AC3E}">
-        <p14:creationId xmlns:p14="http://schemas.microsoft.com/office/powerpoint/2010/main" val="2847920844"/>
+        <p14:creationId xmlns:p14="http://schemas.microsoft.com/office/powerpoint/2010/main" val="2757318399"/>
+      </p:ext>
+    </p:extLst>
+  </p:cSld>
+  <p:clrMapOvr>
+    <a:masterClrMapping/>
+  </p:clrMapOvr>
+</p:sld>
+</file>
+
+<file path=ppt/slides/slide8.xml><?xml version="1.0" encoding="utf-8"?>
+<p:sld xmlns:a="http://schemas.openxmlformats.org/drawingml/2006/main" xmlns:r="http://schemas.openxmlformats.org/officeDocument/2006/relationships" xmlns:p="http://schemas.openxmlformats.org/presentationml/2006/main">
+  <p:cSld>
+    <p:bg>
+      <p:bgPr>
+        <a:blipFill>
+          <a:blip r:embed="rId2"/>
+          <a:tile tx="0" ty="0" sx="100000" sy="100000" flip="none" algn="tl"/>
+        </a:blipFill>
+        <a:effectLst/>
+      </p:bgPr>
+    </p:bg>
+    <p:spTree>
+      <p:nvGrpSpPr>
+        <p:cNvPr id="1" name=""/>
+        <p:cNvGrpSpPr/>
+        <p:nvPr/>
+      </p:nvGrpSpPr>
+      <p:grpSpPr>
+        <a:xfrm>
+          <a:off x="0" y="0"/>
+          <a:ext cx="0" cy="0"/>
+          <a:chOff x="0" y="0"/>
+          <a:chExt cx="0" cy="0"/>
+        </a:xfrm>
+      </p:grpSpPr>
+      <p:sp>
+        <p:nvSpPr>
+          <p:cNvPr id="2" name="Title 1">
+            <a:extLst>
+              <a:ext uri="{FF2B5EF4-FFF2-40B4-BE49-F238E27FC236}">
+                <a16:creationId xmlns:a16="http://schemas.microsoft.com/office/drawing/2014/main" id="{119D5A8E-020D-3244-A616-9426F90F9D0C}"/>
+              </a:ext>
+            </a:extLst>
+          </p:cNvPr>
+          <p:cNvSpPr>
+            <a:spLocks noGrp="1"/>
+          </p:cNvSpPr>
+          <p:nvPr>
+            <p:ph type="title"/>
+          </p:nvPr>
+        </p:nvSpPr>
+        <p:spPr/>
+        <p:txBody>
+          <a:bodyPr/>
+          <a:lstStyle/>
+          <a:p>
+            <a:r>
+              <a:rPr lang="en-US" dirty="0"/>
+              <a:t>Conclusion</a:t>
+            </a:r>
+          </a:p>
+        </p:txBody>
+      </p:sp>
+      <p:sp>
+        <p:nvSpPr>
+          <p:cNvPr id="3" name="Content Placeholder 2">
+            <a:extLst>
+              <a:ext uri="{FF2B5EF4-FFF2-40B4-BE49-F238E27FC236}">
+                <a16:creationId xmlns:a16="http://schemas.microsoft.com/office/drawing/2014/main" id="{7400FBAA-C482-A24E-8A73-FF0A289B7DDC}"/>
+              </a:ext>
+            </a:extLst>
+          </p:cNvPr>
+          <p:cNvSpPr>
+            <a:spLocks noGrp="1"/>
+          </p:cNvSpPr>
+          <p:nvPr>
+            <p:ph idx="1"/>
+          </p:nvPr>
+        </p:nvSpPr>
+        <p:spPr>
+          <a:xfrm>
+            <a:off x="358346" y="1691323"/>
+            <a:ext cx="11374960" cy="4773613"/>
+          </a:xfrm>
+        </p:spPr>
+        <p:txBody>
+          <a:bodyPr>
+            <a:normAutofit fontScale="55000" lnSpcReduction="20000"/>
+          </a:bodyPr>
+          <a:lstStyle/>
+          <a:p>
+            <a:pPr marL="0" indent="0">
+              <a:buNone/>
+            </a:pPr>
+            <a:r>
+              <a:rPr lang="en-AU" dirty="0"/>
+              <a:t>People live longer in countries with a higher GDP per capita. Or put differently; in countries with longer lives, GDP per capita is higher. However, The connection between health and wealth doesn’t tell us which comes first. But one thing is clear: there are not two groups of countries, despite what many people think. </a:t>
+            </a:r>
+          </a:p>
+          <a:p>
+            <a:pPr marL="0" indent="0">
+              <a:buNone/>
+            </a:pPr>
+            <a:r>
+              <a:rPr lang="en-AU" dirty="0"/>
+              <a:t>Dividing the countries into two groups, developing vs. developed, is extremely misleading. Simply because while this might be true on average, there are several African countries that have longer life expectancies than some European countries.</a:t>
+            </a:r>
+          </a:p>
+          <a:p>
+            <a:pPr marL="0" indent="0">
+              <a:buNone/>
+            </a:pPr>
+            <a:r>
+              <a:rPr lang="en-AU" dirty="0"/>
+              <a:t>In early 2000, income per person was low and life expectancy was very short in all countries.</a:t>
+            </a:r>
+          </a:p>
+          <a:p>
+            <a:pPr marL="0" indent="0">
+              <a:buNone/>
+            </a:pPr>
+            <a:r>
+              <a:rPr lang="en-AU" dirty="0"/>
+              <a:t>Income per capita is better everywhere today, even in the poorest countries. So, over the last decades this global inequality decreased. Many countries that not long ago were suffering from poor economic conditions are catching up rapidly.</a:t>
+            </a:r>
+            <a:br>
+              <a:rPr lang="en-AU" dirty="0"/>
+            </a:br>
+            <a:endParaRPr lang="en-AU" dirty="0"/>
+          </a:p>
+          <a:p>
+            <a:pPr marL="0" indent="0">
+              <a:buNone/>
+            </a:pPr>
+            <a:r>
+              <a:rPr lang="en-AU" dirty="0"/>
+              <a:t>Income is much higher in most, but not all, countries today. Most people today live in “middle income” countries.</a:t>
+            </a:r>
+            <a:br>
+              <a:rPr lang="en-AU" dirty="0"/>
+            </a:br>
+            <a:endParaRPr lang="en-AU" dirty="0"/>
+          </a:p>
+          <a:p>
+            <a:pPr marL="0" indent="0">
+              <a:buNone/>
+            </a:pPr>
+            <a:r>
+              <a:rPr lang="en-AU" dirty="0"/>
+              <a:t>It has been observed that in the past 15 years , there has been a huge improvement in the income levels per capita  resulting in improvement of human mortality rates especially in the developing nations in comparison to the past 30 years.</a:t>
+            </a:r>
+            <a:endParaRPr lang="en-US" dirty="0"/>
+          </a:p>
+        </p:txBody>
+      </p:sp>
+    </p:spTree>
+    <p:extLst>
+      <p:ext uri="{BB962C8B-B14F-4D97-AF65-F5344CB8AC3E}">
+        <p14:creationId xmlns:p14="http://schemas.microsoft.com/office/powerpoint/2010/main" val="1223731559"/>
       </p:ext>
     </p:extLst>
   </p:cSld>
